--- a/Lesson 37.pptx
+++ b/Lesson 37.pptx
@@ -6,37 +6,34 @@
   </p:sldMasterIdLst>
   <p:sldIdLst>
     <p:sldId id="259" r:id="rId2"/>
-    <p:sldId id="262" r:id="rId3"/>
-    <p:sldId id="263" r:id="rId4"/>
-    <p:sldId id="264" r:id="rId5"/>
-    <p:sldId id="266" r:id="rId6"/>
-    <p:sldId id="267" r:id="rId7"/>
-    <p:sldId id="268" r:id="rId8"/>
-    <p:sldId id="269" r:id="rId9"/>
-    <p:sldId id="270" r:id="rId10"/>
-    <p:sldId id="271" r:id="rId11"/>
-    <p:sldId id="272" r:id="rId12"/>
-    <p:sldId id="273" r:id="rId13"/>
-    <p:sldId id="275" r:id="rId14"/>
-    <p:sldId id="276" r:id="rId15"/>
-    <p:sldId id="277" r:id="rId16"/>
-    <p:sldId id="278" r:id="rId17"/>
-    <p:sldId id="279" r:id="rId18"/>
-    <p:sldId id="281" r:id="rId19"/>
-    <p:sldId id="282" r:id="rId20"/>
-    <p:sldId id="283" r:id="rId21"/>
-    <p:sldId id="284" r:id="rId22"/>
-    <p:sldId id="285" r:id="rId23"/>
-    <p:sldId id="286" r:id="rId24"/>
-    <p:sldId id="287" r:id="rId25"/>
-    <p:sldId id="288" r:id="rId26"/>
-    <p:sldId id="289" r:id="rId27"/>
-    <p:sldId id="290" r:id="rId28"/>
-    <p:sldId id="291" r:id="rId29"/>
-    <p:sldId id="292" r:id="rId30"/>
-    <p:sldId id="293" r:id="rId31"/>
-    <p:sldId id="294" r:id="rId32"/>
-    <p:sldId id="296" r:id="rId33"/>
+    <p:sldId id="266" r:id="rId3"/>
+    <p:sldId id="267" r:id="rId4"/>
+    <p:sldId id="268" r:id="rId5"/>
+    <p:sldId id="269" r:id="rId6"/>
+    <p:sldId id="270" r:id="rId7"/>
+    <p:sldId id="271" r:id="rId8"/>
+    <p:sldId id="272" r:id="rId9"/>
+    <p:sldId id="273" r:id="rId10"/>
+    <p:sldId id="275" r:id="rId11"/>
+    <p:sldId id="276" r:id="rId12"/>
+    <p:sldId id="277" r:id="rId13"/>
+    <p:sldId id="278" r:id="rId14"/>
+    <p:sldId id="279" r:id="rId15"/>
+    <p:sldId id="281" r:id="rId16"/>
+    <p:sldId id="282" r:id="rId17"/>
+    <p:sldId id="283" r:id="rId18"/>
+    <p:sldId id="284" r:id="rId19"/>
+    <p:sldId id="285" r:id="rId20"/>
+    <p:sldId id="286" r:id="rId21"/>
+    <p:sldId id="287" r:id="rId22"/>
+    <p:sldId id="288" r:id="rId23"/>
+    <p:sldId id="289" r:id="rId24"/>
+    <p:sldId id="290" r:id="rId25"/>
+    <p:sldId id="291" r:id="rId26"/>
+    <p:sldId id="292" r:id="rId27"/>
+    <p:sldId id="293" r:id="rId28"/>
+    <p:sldId id="294" r:id="rId29"/>
+    <p:sldId id="296" r:id="rId30"/>
   </p:sldIdLst>
   <p:sldSz cx="9144000" cy="6858000" type="screen4x3"/>
   <p:notesSz cx="6858000" cy="9144000"/>
@@ -3420,1222 +3417,6 @@
       </p:grpSpPr>
       <p:sp>
         <p:nvSpPr>
-          <p:cNvPr id="17410" name="Rectangle 2"/>
-          <p:cNvSpPr>
-            <a:spLocks noGrp="1" noChangeArrowheads="1"/>
-          </p:cNvSpPr>
-          <p:nvPr>
-            <p:ph type="title"/>
-          </p:nvPr>
-        </p:nvSpPr>
-        <p:spPr/>
-        <p:txBody>
-          <a:bodyPr/>
-          <a:lstStyle/>
-          <a:p>
-            <a:r>
-              <a:rPr lang="en-US" altLang="en-US"/>
-              <a:t>An Accept state</a:t>
-            </a:r>
-          </a:p>
-        </p:txBody>
-      </p:sp>
-      <p:sp>
-        <p:nvSpPr>
-          <p:cNvPr id="17411" name="Rectangle 3"/>
-          <p:cNvSpPr>
-            <a:spLocks noGrp="1" noChangeArrowheads="1"/>
-          </p:cNvSpPr>
-          <p:nvPr>
-            <p:ph type="body" idx="1"/>
-          </p:nvPr>
-        </p:nvSpPr>
-        <p:spPr/>
-        <p:txBody>
-          <a:bodyPr/>
-          <a:lstStyle/>
-          <a:p>
-            <a:pPr>
-              <a:buFontTx/>
-              <a:buNone/>
-            </a:pPr>
-            <a:r>
-              <a:rPr lang="en-US" altLang="en-US" sz="3000"/>
-              <a:t>   </a:t>
-            </a:r>
-            <a:r>
-              <a:rPr lang="en-US" altLang="en-US" sz="3000" b="1" u="sng"/>
-              <a:t>ACCEPT:</a:t>
-            </a:r>
-            <a:r>
-              <a:rPr lang="en-US" altLang="en-US" sz="3000" u="sng"/>
-              <a:t> </a:t>
-            </a:r>
-            <a:r>
-              <a:rPr lang="en-US" altLang="en-US" sz="3000"/>
-              <a:t>This state is like a final state of an FA and is expressed by</a:t>
-            </a:r>
-          </a:p>
-        </p:txBody>
-      </p:sp>
-      <p:sp>
-        <p:nvSpPr>
-          <p:cNvPr id="17412" name="Line 4"/>
-          <p:cNvSpPr>
-            <a:spLocks noChangeShapeType="1"/>
-          </p:cNvSpPr>
-          <p:nvPr/>
-        </p:nvSpPr>
-        <p:spPr bwMode="auto">
-          <a:xfrm rot="-10800000">
-            <a:off x="4191000" y="3371850"/>
-            <a:ext cx="0" cy="838200"/>
-          </a:xfrm>
-          <a:prstGeom prst="line">
-            <a:avLst/>
-          </a:prstGeom>
-          <a:noFill/>
-          <a:ln w="9525">
-            <a:solidFill>
-              <a:schemeClr val="tx1"/>
-            </a:solidFill>
-            <a:round/>
-            <a:headEnd type="arrow" w="lg" len="lg"/>
-            <a:tailEnd type="none" w="lg" len="lg"/>
-          </a:ln>
-          <a:effectLst/>
-          <a:extLst>
-            <a:ext uri="{909E8E84-426E-40DD-AFC4-6F175D3DCCD1}">
-              <a14:hiddenFill xmlns:a14="http://schemas.microsoft.com/office/drawing/2010/main">
-                <a:noFill/>
-              </a14:hiddenFill>
-            </a:ext>
-            <a:ext uri="{AF507438-7753-43E0-B8FC-AC1667EBCBE1}">
-              <a14:hiddenEffects xmlns:a14="http://schemas.microsoft.com/office/drawing/2010/main">
-                <a:effectLst>
-                  <a:outerShdw dist="35921" dir="2700000" algn="ctr" rotWithShape="0">
-                    <a:schemeClr val="bg2"/>
-                  </a:outerShdw>
-                </a:effectLst>
-              </a14:hiddenEffects>
-            </a:ext>
-          </a:extLst>
-        </p:spPr>
-        <p:txBody>
-          <a:bodyPr/>
-          <a:lstStyle/>
-          <a:p>
-            <a:endParaRPr lang="en-US"/>
-          </a:p>
-        </p:txBody>
-      </p:sp>
-      <p:grpSp>
-        <p:nvGrpSpPr>
-          <p:cNvPr id="17413" name="Group 5"/>
-          <p:cNvGrpSpPr>
-            <a:grpSpLocks/>
-          </p:cNvGrpSpPr>
-          <p:nvPr/>
-        </p:nvGrpSpPr>
-        <p:grpSpPr bwMode="auto">
-          <a:xfrm>
-            <a:off x="3200400" y="4114800"/>
-            <a:ext cx="2057400" cy="457200"/>
-            <a:chOff x="1920" y="3504"/>
-            <a:chExt cx="1296" cy="288"/>
-          </a:xfrm>
-        </p:grpSpPr>
-        <p:sp>
-          <p:nvSpPr>
-            <p:cNvPr id="17414" name="Text Box 6"/>
-            <p:cNvSpPr txBox="1">
-              <a:spLocks noChangeArrowheads="1"/>
-            </p:cNvSpPr>
-            <p:nvPr/>
-          </p:nvSpPr>
-          <p:spPr bwMode="auto">
-            <a:xfrm>
-              <a:off x="2160" y="3504"/>
-              <a:ext cx="864" cy="288"/>
-            </a:xfrm>
-            <a:prstGeom prst="rect">
-              <a:avLst/>
-            </a:prstGeom>
-            <a:noFill/>
-            <a:ln>
-              <a:noFill/>
-            </a:ln>
-            <a:effectLst/>
-            <a:extLst>
-              <a:ext uri="{909E8E84-426E-40DD-AFC4-6F175D3DCCD1}">
-                <a14:hiddenFill xmlns:a14="http://schemas.microsoft.com/office/drawing/2010/main">
-                  <a:solidFill>
-                    <a:schemeClr val="accent1"/>
-                  </a:solidFill>
-                </a14:hiddenFill>
-              </a:ext>
-              <a:ext uri="{91240B29-F687-4F45-9708-019B960494DF}">
-                <a14:hiddenLine xmlns:a14="http://schemas.microsoft.com/office/drawing/2010/main" w="9525">
-                  <a:solidFill>
-                    <a:schemeClr val="tx1"/>
-                  </a:solidFill>
-                  <a:miter lim="800000"/>
-                  <a:headEnd/>
-                  <a:tailEnd type="none" w="lg" len="lg"/>
-                </a14:hiddenLine>
-              </a:ext>
-              <a:ext uri="{AF507438-7753-43E0-B8FC-AC1667EBCBE1}">
-                <a14:hiddenEffects xmlns:a14="http://schemas.microsoft.com/office/drawing/2010/main">
-                  <a:effectLst>
-                    <a:outerShdw dist="35921" dir="2700000" algn="ctr" rotWithShape="0">
-                      <a:schemeClr val="bg2"/>
-                    </a:outerShdw>
-                  </a:effectLst>
-                </a14:hiddenEffects>
-              </a:ext>
-            </a:extLst>
-          </p:spPr>
-          <p:txBody>
-            <a:bodyPr>
-              <a:spAutoFit/>
-            </a:bodyPr>
-            <a:lstStyle/>
-            <a:p>
-              <a:pPr algn="ctr">
-                <a:spcBef>
-                  <a:spcPct val="50000"/>
-                </a:spcBef>
-              </a:pPr>
-              <a:r>
-                <a:rPr lang="en-US" altLang="en-US"/>
-                <a:t>ACCEPT</a:t>
-              </a:r>
-            </a:p>
-          </p:txBody>
-        </p:sp>
-        <p:sp>
-          <p:nvSpPr>
-            <p:cNvPr id="17415" name="AutoShape 7"/>
-            <p:cNvSpPr>
-              <a:spLocks noChangeArrowheads="1"/>
-            </p:cNvSpPr>
-            <p:nvPr/>
-          </p:nvSpPr>
-          <p:spPr bwMode="auto">
-            <a:xfrm>
-              <a:off x="1920" y="3552"/>
-              <a:ext cx="1296" cy="240"/>
-            </a:xfrm>
-            <a:prstGeom prst="flowChartTerminator">
-              <a:avLst/>
-            </a:prstGeom>
-            <a:noFill/>
-            <a:ln w="9525">
-              <a:solidFill>
-                <a:schemeClr val="tx1"/>
-              </a:solidFill>
-              <a:miter lim="800000"/>
-              <a:headEnd/>
-              <a:tailEnd type="none" w="lg" len="lg"/>
-            </a:ln>
-            <a:effectLst/>
-            <a:extLst>
-              <a:ext uri="{909E8E84-426E-40DD-AFC4-6F175D3DCCD1}">
-                <a14:hiddenFill xmlns:a14="http://schemas.microsoft.com/office/drawing/2010/main">
-                  <a:solidFill>
-                    <a:schemeClr val="accent1"/>
-                  </a:solidFill>
-                </a14:hiddenFill>
-              </a:ext>
-              <a:ext uri="{AF507438-7753-43E0-B8FC-AC1667EBCBE1}">
-                <a14:hiddenEffects xmlns:a14="http://schemas.microsoft.com/office/drawing/2010/main">
-                  <a:effectLst>
-                    <a:outerShdw dist="35921" dir="2700000" algn="ctr" rotWithShape="0">
-                      <a:schemeClr val="bg2"/>
-                    </a:outerShdw>
-                  </a:effectLst>
-                </a14:hiddenEffects>
-              </a:ext>
-            </a:extLst>
-          </p:spPr>
-          <p:txBody>
-            <a:bodyPr wrap="none" anchor="ctr"/>
-            <a:lstStyle/>
-            <a:p>
-              <a:endParaRPr lang="en-US"/>
-            </a:p>
-          </p:txBody>
-        </p:sp>
-      </p:grpSp>
-    </p:spTree>
-  </p:cSld>
-  <p:clrMapOvr>
-    <a:masterClrMapping/>
-  </p:clrMapOvr>
-</p:sld>
-</file>
-
-<file path=ppt/slides/slide11.xml><?xml version="1.0" encoding="utf-8"?>
-<p:sld xmlns:a="http://schemas.openxmlformats.org/drawingml/2006/main" xmlns:r="http://schemas.openxmlformats.org/officeDocument/2006/relationships" xmlns:p="http://schemas.openxmlformats.org/presentationml/2006/main">
-  <p:cSld>
-    <p:spTree>
-      <p:nvGrpSpPr>
-        <p:cNvPr id="1" name=""/>
-        <p:cNvGrpSpPr/>
-        <p:nvPr/>
-      </p:nvGrpSpPr>
-      <p:grpSpPr>
-        <a:xfrm>
-          <a:off x="0" y="0"/>
-          <a:ext cx="0" cy="0"/>
-          <a:chOff x="0" y="0"/>
-          <a:chExt cx="0" cy="0"/>
-        </a:xfrm>
-      </p:grpSpPr>
-      <p:sp>
-        <p:nvSpPr>
-          <p:cNvPr id="18434" name="Rectangle 2"/>
-          <p:cNvSpPr>
-            <a:spLocks noGrp="1" noChangeArrowheads="1"/>
-          </p:cNvSpPr>
-          <p:nvPr>
-            <p:ph type="title"/>
-          </p:nvPr>
-        </p:nvSpPr>
-        <p:spPr/>
-        <p:txBody>
-          <a:bodyPr/>
-          <a:lstStyle/>
-          <a:p>
-            <a:r>
-              <a:rPr lang="en-US" altLang="en-US"/>
-              <a:t>A REJECT state</a:t>
-            </a:r>
-          </a:p>
-        </p:txBody>
-      </p:sp>
-      <p:sp>
-        <p:nvSpPr>
-          <p:cNvPr id="18435" name="Rectangle 3"/>
-          <p:cNvSpPr>
-            <a:spLocks noGrp="1" noChangeArrowheads="1"/>
-          </p:cNvSpPr>
-          <p:nvPr>
-            <p:ph type="body" idx="1"/>
-          </p:nvPr>
-        </p:nvSpPr>
-        <p:spPr/>
-        <p:txBody>
-          <a:bodyPr/>
-          <a:lstStyle/>
-          <a:p>
-            <a:pPr>
-              <a:buFontTx/>
-              <a:buNone/>
-            </a:pPr>
-            <a:r>
-              <a:rPr lang="en-US" altLang="en-US" sz="3000"/>
-              <a:t>	</a:t>
-            </a:r>
-            <a:r>
-              <a:rPr lang="en-US" altLang="en-US" sz="3000" u="sng"/>
-              <a:t>REJECT:</a:t>
-            </a:r>
-            <a:r>
-              <a:rPr lang="en-US" altLang="en-US" sz="3000"/>
-              <a:t> This state is like dead-end non final state and is expressed by </a:t>
-            </a:r>
-          </a:p>
-          <a:p>
-            <a:endParaRPr lang="en-US" altLang="en-US" sz="3000"/>
-          </a:p>
-          <a:p>
-            <a:endParaRPr lang="en-US" altLang="en-US" sz="3000"/>
-          </a:p>
-          <a:p>
-            <a:endParaRPr lang="en-US" altLang="en-US" sz="3000"/>
-          </a:p>
-          <a:p>
-            <a:pPr>
-              <a:buFontTx/>
-              <a:buNone/>
-            </a:pPr>
-            <a:r>
-              <a:rPr lang="en-US" altLang="en-US" sz="3000"/>
-              <a:t>	</a:t>
-            </a:r>
-            <a:r>
-              <a:rPr lang="en-US" altLang="en-US" sz="3000" u="sng"/>
-              <a:t>NOTE: </a:t>
-            </a:r>
-            <a:r>
-              <a:rPr lang="en-US" altLang="en-US" sz="3000"/>
-              <a:t>It may be noted that the ACCEPT and REJECT states are called the halt states.</a:t>
-            </a:r>
-            <a:endParaRPr lang="en-US" altLang="en-US" sz="3000" u="sng"/>
-          </a:p>
-          <a:p>
-            <a:endParaRPr lang="en-US" altLang="en-US"/>
-          </a:p>
-        </p:txBody>
-      </p:sp>
-      <p:sp>
-        <p:nvSpPr>
-          <p:cNvPr id="18436" name="Line 4"/>
-          <p:cNvSpPr>
-            <a:spLocks noChangeShapeType="1"/>
-          </p:cNvSpPr>
-          <p:nvPr/>
-        </p:nvSpPr>
-        <p:spPr bwMode="auto">
-          <a:xfrm rot="-10800000">
-            <a:off x="4191000" y="3200400"/>
-            <a:ext cx="0" cy="838200"/>
-          </a:xfrm>
-          <a:prstGeom prst="line">
-            <a:avLst/>
-          </a:prstGeom>
-          <a:noFill/>
-          <a:ln w="9525">
-            <a:solidFill>
-              <a:schemeClr val="tx1"/>
-            </a:solidFill>
-            <a:round/>
-            <a:headEnd type="arrow" w="lg" len="lg"/>
-            <a:tailEnd type="none" w="lg" len="lg"/>
-          </a:ln>
-          <a:effectLst/>
-          <a:extLst>
-            <a:ext uri="{909E8E84-426E-40DD-AFC4-6F175D3DCCD1}">
-              <a14:hiddenFill xmlns:a14="http://schemas.microsoft.com/office/drawing/2010/main">
-                <a:noFill/>
-              </a14:hiddenFill>
-            </a:ext>
-            <a:ext uri="{AF507438-7753-43E0-B8FC-AC1667EBCBE1}">
-              <a14:hiddenEffects xmlns:a14="http://schemas.microsoft.com/office/drawing/2010/main">
-                <a:effectLst>
-                  <a:outerShdw dist="35921" dir="2700000" algn="ctr" rotWithShape="0">
-                    <a:schemeClr val="bg2"/>
-                  </a:outerShdw>
-                </a:effectLst>
-              </a14:hiddenEffects>
-            </a:ext>
-          </a:extLst>
-        </p:spPr>
-        <p:txBody>
-          <a:bodyPr/>
-          <a:lstStyle/>
-          <a:p>
-            <a:endParaRPr lang="en-US"/>
-          </a:p>
-        </p:txBody>
-      </p:sp>
-      <p:grpSp>
-        <p:nvGrpSpPr>
-          <p:cNvPr id="18437" name="Group 5"/>
-          <p:cNvGrpSpPr>
-            <a:grpSpLocks/>
-          </p:cNvGrpSpPr>
-          <p:nvPr/>
-        </p:nvGrpSpPr>
-        <p:grpSpPr bwMode="auto">
-          <a:xfrm>
-            <a:off x="3200400" y="3943350"/>
-            <a:ext cx="2057400" cy="457200"/>
-            <a:chOff x="1920" y="3504"/>
-            <a:chExt cx="1296" cy="288"/>
-          </a:xfrm>
-        </p:grpSpPr>
-        <p:sp>
-          <p:nvSpPr>
-            <p:cNvPr id="18438" name="Text Box 6"/>
-            <p:cNvSpPr txBox="1">
-              <a:spLocks noChangeArrowheads="1"/>
-            </p:cNvSpPr>
-            <p:nvPr/>
-          </p:nvSpPr>
-          <p:spPr bwMode="auto">
-            <a:xfrm>
-              <a:off x="2160" y="3504"/>
-              <a:ext cx="864" cy="288"/>
-            </a:xfrm>
-            <a:prstGeom prst="rect">
-              <a:avLst/>
-            </a:prstGeom>
-            <a:noFill/>
-            <a:ln>
-              <a:noFill/>
-            </a:ln>
-            <a:effectLst/>
-            <a:extLst>
-              <a:ext uri="{909E8E84-426E-40DD-AFC4-6F175D3DCCD1}">
-                <a14:hiddenFill xmlns:a14="http://schemas.microsoft.com/office/drawing/2010/main">
-                  <a:solidFill>
-                    <a:schemeClr val="accent1"/>
-                  </a:solidFill>
-                </a14:hiddenFill>
-              </a:ext>
-              <a:ext uri="{91240B29-F687-4F45-9708-019B960494DF}">
-                <a14:hiddenLine xmlns:a14="http://schemas.microsoft.com/office/drawing/2010/main" w="9525">
-                  <a:solidFill>
-                    <a:schemeClr val="tx1"/>
-                  </a:solidFill>
-                  <a:miter lim="800000"/>
-                  <a:headEnd/>
-                  <a:tailEnd type="none" w="lg" len="lg"/>
-                </a14:hiddenLine>
-              </a:ext>
-              <a:ext uri="{AF507438-7753-43E0-B8FC-AC1667EBCBE1}">
-                <a14:hiddenEffects xmlns:a14="http://schemas.microsoft.com/office/drawing/2010/main">
-                  <a:effectLst>
-                    <a:outerShdw dist="35921" dir="2700000" algn="ctr" rotWithShape="0">
-                      <a:schemeClr val="bg2"/>
-                    </a:outerShdw>
-                  </a:effectLst>
-                </a14:hiddenEffects>
-              </a:ext>
-            </a:extLst>
-          </p:spPr>
-          <p:txBody>
-            <a:bodyPr>
-              <a:spAutoFit/>
-            </a:bodyPr>
-            <a:lstStyle/>
-            <a:p>
-              <a:pPr algn="ctr">
-                <a:spcBef>
-                  <a:spcPct val="50000"/>
-                </a:spcBef>
-              </a:pPr>
-              <a:r>
-                <a:rPr lang="en-US" altLang="en-US"/>
-                <a:t>REJECT</a:t>
-              </a:r>
-            </a:p>
-          </p:txBody>
-        </p:sp>
-        <p:sp>
-          <p:nvSpPr>
-            <p:cNvPr id="18439" name="AutoShape 7"/>
-            <p:cNvSpPr>
-              <a:spLocks noChangeArrowheads="1"/>
-            </p:cNvSpPr>
-            <p:nvPr/>
-          </p:nvSpPr>
-          <p:spPr bwMode="auto">
-            <a:xfrm>
-              <a:off x="1920" y="3552"/>
-              <a:ext cx="1296" cy="240"/>
-            </a:xfrm>
-            <a:prstGeom prst="flowChartTerminator">
-              <a:avLst/>
-            </a:prstGeom>
-            <a:noFill/>
-            <a:ln w="9525">
-              <a:solidFill>
-                <a:schemeClr val="tx1"/>
-              </a:solidFill>
-              <a:miter lim="800000"/>
-              <a:headEnd/>
-              <a:tailEnd type="none" w="lg" len="lg"/>
-            </a:ln>
-            <a:effectLst/>
-            <a:extLst>
-              <a:ext uri="{909E8E84-426E-40DD-AFC4-6F175D3DCCD1}">
-                <a14:hiddenFill xmlns:a14="http://schemas.microsoft.com/office/drawing/2010/main">
-                  <a:solidFill>
-                    <a:schemeClr val="accent1"/>
-                  </a:solidFill>
-                </a14:hiddenFill>
-              </a:ext>
-              <a:ext uri="{AF507438-7753-43E0-B8FC-AC1667EBCBE1}">
-                <a14:hiddenEffects xmlns:a14="http://schemas.microsoft.com/office/drawing/2010/main">
-                  <a:effectLst>
-                    <a:outerShdw dist="35921" dir="2700000" algn="ctr" rotWithShape="0">
-                      <a:schemeClr val="bg2"/>
-                    </a:outerShdw>
-                  </a:effectLst>
-                </a14:hiddenEffects>
-              </a:ext>
-            </a:extLst>
-          </p:spPr>
-          <p:txBody>
-            <a:bodyPr wrap="none" anchor="ctr"/>
-            <a:lstStyle/>
-            <a:p>
-              <a:endParaRPr lang="en-US"/>
-            </a:p>
-          </p:txBody>
-        </p:sp>
-      </p:grpSp>
-    </p:spTree>
-  </p:cSld>
-  <p:clrMapOvr>
-    <a:masterClrMapping/>
-  </p:clrMapOvr>
-</p:sld>
-</file>
-
-<file path=ppt/slides/slide12.xml><?xml version="1.0" encoding="utf-8"?>
-<p:sld xmlns:a="http://schemas.openxmlformats.org/drawingml/2006/main" xmlns:r="http://schemas.openxmlformats.org/officeDocument/2006/relationships" xmlns:p="http://schemas.openxmlformats.org/presentationml/2006/main">
-  <p:cSld>
-    <p:spTree>
-      <p:nvGrpSpPr>
-        <p:cNvPr id="1" name=""/>
-        <p:cNvGrpSpPr/>
-        <p:nvPr/>
-      </p:nvGrpSpPr>
-      <p:grpSpPr>
-        <a:xfrm>
-          <a:off x="0" y="0"/>
-          <a:ext cx="0" cy="0"/>
-          <a:chOff x="0" y="0"/>
-          <a:chExt cx="0" cy="0"/>
-        </a:xfrm>
-      </p:grpSpPr>
-      <p:sp>
-        <p:nvSpPr>
-          <p:cNvPr id="19458" name="Rectangle 2"/>
-          <p:cNvSpPr>
-            <a:spLocks noGrp="1" noChangeArrowheads="1"/>
-          </p:cNvSpPr>
-          <p:nvPr>
-            <p:ph type="title"/>
-          </p:nvPr>
-        </p:nvSpPr>
-        <p:spPr/>
-        <p:txBody>
-          <a:bodyPr/>
-          <a:lstStyle/>
-          <a:p>
-            <a:r>
-              <a:rPr lang="en-US" altLang="en-US"/>
-              <a:t>A READ state</a:t>
-            </a:r>
-          </a:p>
-        </p:txBody>
-      </p:sp>
-      <p:sp>
-        <p:nvSpPr>
-          <p:cNvPr id="19459" name="Rectangle 3"/>
-          <p:cNvSpPr>
-            <a:spLocks noGrp="1" noChangeArrowheads="1"/>
-          </p:cNvSpPr>
-          <p:nvPr>
-            <p:ph type="body" idx="1"/>
-          </p:nvPr>
-        </p:nvSpPr>
-        <p:spPr>
-          <a:xfrm>
-            <a:off x="685800" y="1981200"/>
-            <a:ext cx="7772400" cy="4876800"/>
-          </a:xfrm>
-        </p:spPr>
-        <p:txBody>
-          <a:bodyPr/>
-          <a:lstStyle/>
-          <a:p>
-            <a:pPr>
-              <a:buFontTx/>
-              <a:buNone/>
-            </a:pPr>
-            <a:r>
-              <a:rPr lang="en-US" altLang="en-US" sz="3400"/>
-              <a:t>	</a:t>
-            </a:r>
-            <a:r>
-              <a:rPr lang="en-US" altLang="en-US" sz="3400" u="sng"/>
-              <a:t>READ:</a:t>
-            </a:r>
-            <a:r>
-              <a:rPr lang="en-US" altLang="en-US" sz="3400"/>
-              <a:t> This state is to read an input letter and read to some other state. The READ state is expressed by </a:t>
-            </a:r>
-          </a:p>
-          <a:p>
-            <a:pPr>
-              <a:buFontTx/>
-              <a:buNone/>
-            </a:pPr>
-            <a:endParaRPr lang="en-US" altLang="en-US" sz="3400"/>
-          </a:p>
-          <a:p>
-            <a:endParaRPr lang="en-US" altLang="en-US" sz="3400"/>
-          </a:p>
-          <a:p>
-            <a:endParaRPr lang="en-US" altLang="en-US" sz="3400"/>
-          </a:p>
-          <a:p>
-            <a:pPr>
-              <a:buFontTx/>
-              <a:buNone/>
-            </a:pPr>
-            <a:r>
-              <a:rPr lang="en-US" altLang="en-US" sz="3400"/>
-              <a:t>	</a:t>
-            </a:r>
-          </a:p>
-        </p:txBody>
-      </p:sp>
-      <p:sp>
-        <p:nvSpPr>
-          <p:cNvPr id="19460" name="Line 4"/>
-          <p:cNvSpPr>
-            <a:spLocks noChangeShapeType="1"/>
-          </p:cNvSpPr>
-          <p:nvPr/>
-        </p:nvSpPr>
-        <p:spPr bwMode="auto">
-          <a:xfrm rot="10800000" flipH="1">
-            <a:off x="4468813" y="3657600"/>
-            <a:ext cx="0" cy="533400"/>
-          </a:xfrm>
-          <a:prstGeom prst="line">
-            <a:avLst/>
-          </a:prstGeom>
-          <a:noFill/>
-          <a:ln w="9525">
-            <a:solidFill>
-              <a:schemeClr val="tx1"/>
-            </a:solidFill>
-            <a:round/>
-            <a:headEnd type="none" w="lg" len="lg"/>
-            <a:tailEnd type="arrow" w="med" len="med"/>
-          </a:ln>
-          <a:effectLst/>
-          <a:extLst>
-            <a:ext uri="{909E8E84-426E-40DD-AFC4-6F175D3DCCD1}">
-              <a14:hiddenFill xmlns:a14="http://schemas.microsoft.com/office/drawing/2010/main">
-                <a:noFill/>
-              </a14:hiddenFill>
-            </a:ext>
-            <a:ext uri="{AF507438-7753-43E0-B8FC-AC1667EBCBE1}">
-              <a14:hiddenEffects xmlns:a14="http://schemas.microsoft.com/office/drawing/2010/main">
-                <a:effectLst>
-                  <a:outerShdw dist="35921" dir="2700000" algn="ctr" rotWithShape="0">
-                    <a:schemeClr val="bg2"/>
-                  </a:outerShdw>
-                </a:effectLst>
-              </a14:hiddenEffects>
-            </a:ext>
-          </a:extLst>
-        </p:spPr>
-        <p:txBody>
-          <a:bodyPr/>
-          <a:lstStyle/>
-          <a:p>
-            <a:endParaRPr lang="en-US"/>
-          </a:p>
-        </p:txBody>
-      </p:sp>
-      <p:sp>
-        <p:nvSpPr>
-          <p:cNvPr id="19461" name="Rectangle 5"/>
-          <p:cNvSpPr>
-            <a:spLocks noChangeArrowheads="1"/>
-          </p:cNvSpPr>
-          <p:nvPr/>
-        </p:nvSpPr>
-        <p:spPr bwMode="auto">
-          <a:xfrm>
-            <a:off x="4068763" y="4495800"/>
-            <a:ext cx="1012825" cy="457200"/>
-          </a:xfrm>
-          <a:prstGeom prst="rect">
-            <a:avLst/>
-          </a:prstGeom>
-          <a:noFill/>
-          <a:ln>
-            <a:noFill/>
-          </a:ln>
-          <a:effectLst/>
-          <a:extLst>
-            <a:ext uri="{909E8E84-426E-40DD-AFC4-6F175D3DCCD1}">
-              <a14:hiddenFill xmlns:a14="http://schemas.microsoft.com/office/drawing/2010/main">
-                <a:solidFill>
-                  <a:schemeClr val="accent1"/>
-                </a:solidFill>
-              </a14:hiddenFill>
-            </a:ext>
-            <a:ext uri="{91240B29-F687-4F45-9708-019B960494DF}">
-              <a14:hiddenLine xmlns:a14="http://schemas.microsoft.com/office/drawing/2010/main" w="9525">
-                <a:solidFill>
-                  <a:schemeClr val="tx1"/>
-                </a:solidFill>
-                <a:miter lim="800000"/>
-                <a:headEnd/>
-                <a:tailEnd type="none" w="lg" len="lg"/>
-              </a14:hiddenLine>
-            </a:ext>
-            <a:ext uri="{AF507438-7753-43E0-B8FC-AC1667EBCBE1}">
-              <a14:hiddenEffects xmlns:a14="http://schemas.microsoft.com/office/drawing/2010/main">
-                <a:effectLst>
-                  <a:outerShdw dist="35921" dir="2700000" algn="ctr" rotWithShape="0">
-                    <a:schemeClr val="bg2"/>
-                  </a:outerShdw>
-                </a:effectLst>
-              </a14:hiddenEffects>
-            </a:ext>
-          </a:extLst>
-        </p:spPr>
-        <p:txBody>
-          <a:bodyPr wrap="none">
-            <a:spAutoFit/>
-          </a:bodyPr>
-          <a:lstStyle/>
-          <a:p>
-            <a:pPr algn="ctr">
-              <a:spcBef>
-                <a:spcPct val="20000"/>
-              </a:spcBef>
-            </a:pPr>
-            <a:r>
-              <a:rPr lang="en-US" altLang="en-US"/>
-              <a:t>READ</a:t>
-            </a:r>
-          </a:p>
-        </p:txBody>
-      </p:sp>
-      <p:sp>
-        <p:nvSpPr>
-          <p:cNvPr id="19462" name="AutoShape 6"/>
-          <p:cNvSpPr>
-            <a:spLocks noChangeArrowheads="1"/>
-          </p:cNvSpPr>
-          <p:nvPr/>
-        </p:nvSpPr>
-        <p:spPr bwMode="auto">
-          <a:xfrm>
-            <a:off x="3657600" y="4191000"/>
-            <a:ext cx="1600200" cy="1066800"/>
-          </a:xfrm>
-          <a:prstGeom prst="flowChartDecision">
-            <a:avLst/>
-          </a:prstGeom>
-          <a:noFill/>
-          <a:ln w="9525">
-            <a:solidFill>
-              <a:schemeClr val="tx1"/>
-            </a:solidFill>
-            <a:miter lim="800000"/>
-            <a:headEnd/>
-            <a:tailEnd type="none" w="lg" len="lg"/>
-          </a:ln>
-          <a:effectLst/>
-          <a:extLst>
-            <a:ext uri="{909E8E84-426E-40DD-AFC4-6F175D3DCCD1}">
-              <a14:hiddenFill xmlns:a14="http://schemas.microsoft.com/office/drawing/2010/main">
-                <a:solidFill>
-                  <a:schemeClr val="accent1"/>
-                </a:solidFill>
-              </a14:hiddenFill>
-            </a:ext>
-            <a:ext uri="{AF507438-7753-43E0-B8FC-AC1667EBCBE1}">
-              <a14:hiddenEffects xmlns:a14="http://schemas.microsoft.com/office/drawing/2010/main">
-                <a:effectLst>
-                  <a:outerShdw dist="35921" dir="2700000" algn="ctr" rotWithShape="0">
-                    <a:schemeClr val="bg2"/>
-                  </a:outerShdw>
-                </a:effectLst>
-              </a14:hiddenEffects>
-            </a:ext>
-          </a:extLst>
-        </p:spPr>
-        <p:txBody>
-          <a:bodyPr wrap="none" anchor="ctr"/>
-          <a:lstStyle/>
-          <a:p>
-            <a:endParaRPr lang="en-US"/>
-          </a:p>
-        </p:txBody>
-      </p:sp>
-      <p:sp>
-        <p:nvSpPr>
-          <p:cNvPr id="19463" name="Line 7"/>
-          <p:cNvSpPr>
-            <a:spLocks noChangeShapeType="1"/>
-          </p:cNvSpPr>
-          <p:nvPr/>
-        </p:nvSpPr>
-        <p:spPr bwMode="auto">
-          <a:xfrm rot="16200000">
-            <a:off x="3343275" y="4429125"/>
-            <a:ext cx="0" cy="590550"/>
-          </a:xfrm>
-          <a:prstGeom prst="line">
-            <a:avLst/>
-          </a:prstGeom>
-          <a:noFill/>
-          <a:ln w="9525">
-            <a:solidFill>
-              <a:schemeClr val="tx1"/>
-            </a:solidFill>
-            <a:round/>
-            <a:headEnd/>
-            <a:tailEnd type="arrow" w="med" len="med"/>
-          </a:ln>
-          <a:effectLst/>
-          <a:extLst>
-            <a:ext uri="{909E8E84-426E-40DD-AFC4-6F175D3DCCD1}">
-              <a14:hiddenFill xmlns:a14="http://schemas.microsoft.com/office/drawing/2010/main">
-                <a:noFill/>
-              </a14:hiddenFill>
-            </a:ext>
-            <a:ext uri="{AF507438-7753-43E0-B8FC-AC1667EBCBE1}">
-              <a14:hiddenEffects xmlns:a14="http://schemas.microsoft.com/office/drawing/2010/main">
-                <a:effectLst>
-                  <a:outerShdw dist="35921" dir="2700000" algn="ctr" rotWithShape="0">
-                    <a:schemeClr val="bg2"/>
-                  </a:outerShdw>
-                </a:effectLst>
-              </a14:hiddenEffects>
-            </a:ext>
-          </a:extLst>
-        </p:spPr>
-        <p:txBody>
-          <a:bodyPr/>
-          <a:lstStyle/>
-          <a:p>
-            <a:endParaRPr lang="en-US"/>
-          </a:p>
-        </p:txBody>
-      </p:sp>
-      <p:sp>
-        <p:nvSpPr>
-          <p:cNvPr id="19464" name="Line 8"/>
-          <p:cNvSpPr>
-            <a:spLocks noChangeShapeType="1"/>
-          </p:cNvSpPr>
-          <p:nvPr/>
-        </p:nvSpPr>
-        <p:spPr bwMode="auto">
-          <a:xfrm rot="7800000">
-            <a:off x="5499894" y="4534694"/>
-            <a:ext cx="103188" cy="723900"/>
-          </a:xfrm>
-          <a:prstGeom prst="line">
-            <a:avLst/>
-          </a:prstGeom>
-          <a:noFill/>
-          <a:ln w="9525">
-            <a:solidFill>
-              <a:schemeClr val="tx1"/>
-            </a:solidFill>
-            <a:round/>
-            <a:headEnd type="arrow" w="med" len="med"/>
-            <a:tailEnd/>
-          </a:ln>
-          <a:effectLst/>
-          <a:extLst>
-            <a:ext uri="{909E8E84-426E-40DD-AFC4-6F175D3DCCD1}">
-              <a14:hiddenFill xmlns:a14="http://schemas.microsoft.com/office/drawing/2010/main">
-                <a:noFill/>
-              </a14:hiddenFill>
-            </a:ext>
-            <a:ext uri="{AF507438-7753-43E0-B8FC-AC1667EBCBE1}">
-              <a14:hiddenEffects xmlns:a14="http://schemas.microsoft.com/office/drawing/2010/main">
-                <a:effectLst>
-                  <a:outerShdw dist="35921" dir="2700000" algn="ctr" rotWithShape="0">
-                    <a:schemeClr val="bg2"/>
-                  </a:outerShdw>
-                </a:effectLst>
-              </a14:hiddenEffects>
-            </a:ext>
-          </a:extLst>
-        </p:spPr>
-        <p:txBody>
-          <a:bodyPr/>
-          <a:lstStyle/>
-          <a:p>
-            <a:endParaRPr lang="en-US"/>
-          </a:p>
-        </p:txBody>
-      </p:sp>
-      <p:sp>
-        <p:nvSpPr>
-          <p:cNvPr id="19465" name="Line 9"/>
-          <p:cNvSpPr>
-            <a:spLocks noChangeShapeType="1"/>
-          </p:cNvSpPr>
-          <p:nvPr/>
-        </p:nvSpPr>
-        <p:spPr bwMode="auto">
-          <a:xfrm rot="3600000">
-            <a:off x="5453856" y="4147344"/>
-            <a:ext cx="103188" cy="723900"/>
-          </a:xfrm>
-          <a:prstGeom prst="line">
-            <a:avLst/>
-          </a:prstGeom>
-          <a:noFill/>
-          <a:ln w="9525">
-            <a:solidFill>
-              <a:schemeClr val="tx1"/>
-            </a:solidFill>
-            <a:round/>
-            <a:headEnd type="arrow" w="med" len="med"/>
-            <a:tailEnd/>
-          </a:ln>
-          <a:effectLst/>
-          <a:extLst>
-            <a:ext uri="{909E8E84-426E-40DD-AFC4-6F175D3DCCD1}">
-              <a14:hiddenFill xmlns:a14="http://schemas.microsoft.com/office/drawing/2010/main">
-                <a:noFill/>
-              </a14:hiddenFill>
-            </a:ext>
-            <a:ext uri="{AF507438-7753-43E0-B8FC-AC1667EBCBE1}">
-              <a14:hiddenEffects xmlns:a14="http://schemas.microsoft.com/office/drawing/2010/main">
-                <a:effectLst>
-                  <a:outerShdw dist="35921" dir="2700000" algn="ctr" rotWithShape="0">
-                    <a:schemeClr val="bg2"/>
-                  </a:outerShdw>
-                </a:effectLst>
-              </a14:hiddenEffects>
-            </a:ext>
-          </a:extLst>
-        </p:spPr>
-        <p:txBody>
-          <a:bodyPr/>
-          <a:lstStyle/>
-          <a:p>
-            <a:endParaRPr lang="en-US"/>
-          </a:p>
-        </p:txBody>
-      </p:sp>
-      <p:sp>
-        <p:nvSpPr>
-          <p:cNvPr id="19466" name="Text Box 10"/>
-          <p:cNvSpPr txBox="1">
-            <a:spLocks noChangeArrowheads="1"/>
-          </p:cNvSpPr>
-          <p:nvPr/>
-        </p:nvSpPr>
-        <p:spPr bwMode="auto">
-          <a:xfrm>
-            <a:off x="3962400" y="3714750"/>
-            <a:ext cx="685800" cy="457200"/>
-          </a:xfrm>
-          <a:prstGeom prst="rect">
-            <a:avLst/>
-          </a:prstGeom>
-          <a:noFill/>
-          <a:ln>
-            <a:noFill/>
-          </a:ln>
-          <a:effectLst/>
-          <a:extLst>
-            <a:ext uri="{909E8E84-426E-40DD-AFC4-6F175D3DCCD1}">
-              <a14:hiddenFill xmlns:a14="http://schemas.microsoft.com/office/drawing/2010/main">
-                <a:solidFill>
-                  <a:schemeClr val="accent1"/>
-                </a:solidFill>
-              </a14:hiddenFill>
-            </a:ext>
-            <a:ext uri="{91240B29-F687-4F45-9708-019B960494DF}">
-              <a14:hiddenLine xmlns:a14="http://schemas.microsoft.com/office/drawing/2010/main" w="9525">
-                <a:solidFill>
-                  <a:schemeClr val="tx1"/>
-                </a:solidFill>
-                <a:miter lim="800000"/>
-                <a:headEnd/>
-                <a:tailEnd/>
-              </a14:hiddenLine>
-            </a:ext>
-            <a:ext uri="{AF507438-7753-43E0-B8FC-AC1667EBCBE1}">
-              <a14:hiddenEffects xmlns:a14="http://schemas.microsoft.com/office/drawing/2010/main">
-                <a:effectLst>
-                  <a:outerShdw dist="35921" dir="2700000" algn="ctr" rotWithShape="0">
-                    <a:schemeClr val="bg2"/>
-                  </a:outerShdw>
-                </a:effectLst>
-              </a14:hiddenEffects>
-            </a:ext>
-          </a:extLst>
-        </p:spPr>
-        <p:txBody>
-          <a:bodyPr>
-            <a:spAutoFit/>
-          </a:bodyPr>
-          <a:lstStyle/>
-          <a:p>
-            <a:pPr algn="ctr" eaLnBrk="0" hangingPunct="0">
-              <a:spcBef>
-                <a:spcPct val="50000"/>
-              </a:spcBef>
-            </a:pPr>
-            <a:r>
-              <a:rPr lang="en-US" altLang="en-US"/>
-              <a:t>a</a:t>
-            </a:r>
-          </a:p>
-        </p:txBody>
-      </p:sp>
-      <p:sp>
-        <p:nvSpPr>
-          <p:cNvPr id="19467" name="Text Box 11"/>
-          <p:cNvSpPr txBox="1">
-            <a:spLocks noChangeArrowheads="1"/>
-          </p:cNvSpPr>
-          <p:nvPr/>
-        </p:nvSpPr>
-        <p:spPr bwMode="auto">
-          <a:xfrm>
-            <a:off x="5059363" y="4191000"/>
-            <a:ext cx="685800" cy="457200"/>
-          </a:xfrm>
-          <a:prstGeom prst="rect">
-            <a:avLst/>
-          </a:prstGeom>
-          <a:noFill/>
-          <a:ln>
-            <a:noFill/>
-          </a:ln>
-          <a:effectLst/>
-          <a:extLst>
-            <a:ext uri="{909E8E84-426E-40DD-AFC4-6F175D3DCCD1}">
-              <a14:hiddenFill xmlns:a14="http://schemas.microsoft.com/office/drawing/2010/main">
-                <a:solidFill>
-                  <a:schemeClr val="accent1"/>
-                </a:solidFill>
-              </a14:hiddenFill>
-            </a:ext>
-            <a:ext uri="{91240B29-F687-4F45-9708-019B960494DF}">
-              <a14:hiddenLine xmlns:a14="http://schemas.microsoft.com/office/drawing/2010/main" w="9525">
-                <a:solidFill>
-                  <a:schemeClr val="tx1"/>
-                </a:solidFill>
-                <a:miter lim="800000"/>
-                <a:headEnd/>
-                <a:tailEnd/>
-              </a14:hiddenLine>
-            </a:ext>
-            <a:ext uri="{AF507438-7753-43E0-B8FC-AC1667EBCBE1}">
-              <a14:hiddenEffects xmlns:a14="http://schemas.microsoft.com/office/drawing/2010/main">
-                <a:effectLst>
-                  <a:outerShdw dist="35921" dir="2700000" algn="ctr" rotWithShape="0">
-                    <a:schemeClr val="bg2"/>
-                  </a:outerShdw>
-                </a:effectLst>
-              </a14:hiddenEffects>
-            </a:ext>
-          </a:extLst>
-        </p:spPr>
-        <p:txBody>
-          <a:bodyPr>
-            <a:spAutoFit/>
-          </a:bodyPr>
-          <a:lstStyle/>
-          <a:p>
-            <a:pPr algn="ctr" eaLnBrk="0" hangingPunct="0">
-              <a:spcBef>
-                <a:spcPct val="50000"/>
-              </a:spcBef>
-            </a:pPr>
-            <a:r>
-              <a:rPr lang="en-US" altLang="en-US"/>
-              <a:t>b</a:t>
-            </a:r>
-          </a:p>
-        </p:txBody>
-      </p:sp>
-      <p:sp>
-        <p:nvSpPr>
-          <p:cNvPr id="19468" name="Rectangle 12"/>
-          <p:cNvSpPr>
-            <a:spLocks noChangeArrowheads="1"/>
-          </p:cNvSpPr>
-          <p:nvPr/>
-        </p:nvSpPr>
-        <p:spPr bwMode="auto">
-          <a:xfrm>
-            <a:off x="5410200" y="4876800"/>
-            <a:ext cx="9144000" cy="366713"/>
-          </a:xfrm>
-          <a:prstGeom prst="rect">
-            <a:avLst/>
-          </a:prstGeom>
-          <a:noFill/>
-          <a:ln>
-            <a:noFill/>
-          </a:ln>
-          <a:effectLst/>
-          <a:extLst>
-            <a:ext uri="{909E8E84-426E-40DD-AFC4-6F175D3DCCD1}">
-              <a14:hiddenFill xmlns:a14="http://schemas.microsoft.com/office/drawing/2010/main">
-                <a:solidFill>
-                  <a:schemeClr val="accent1"/>
-                </a:solidFill>
-              </a14:hiddenFill>
-            </a:ext>
-            <a:ext uri="{91240B29-F687-4F45-9708-019B960494DF}">
-              <a14:hiddenLine xmlns:a14="http://schemas.microsoft.com/office/drawing/2010/main" w="9525">
-                <a:solidFill>
-                  <a:schemeClr val="tx1"/>
-                </a:solidFill>
-                <a:miter lim="800000"/>
-                <a:headEnd/>
-                <a:tailEnd type="none" w="lg" len="lg"/>
-              </a14:hiddenLine>
-            </a:ext>
-            <a:ext uri="{AF507438-7753-43E0-B8FC-AC1667EBCBE1}">
-              <a14:hiddenEffects xmlns:a14="http://schemas.microsoft.com/office/drawing/2010/main">
-                <a:effectLst>
-                  <a:outerShdw dist="35921" dir="2700000" algn="ctr" rotWithShape="0">
-                    <a:schemeClr val="bg2"/>
-                  </a:outerShdw>
-                </a:effectLst>
-              </a14:hiddenEffects>
-            </a:ext>
-          </a:extLst>
-        </p:spPr>
-        <p:txBody>
-          <a:bodyPr>
-            <a:spAutoFit/>
-          </a:bodyPr>
-          <a:lstStyle/>
-          <a:p>
-            <a:r>
-              <a:rPr lang="en-US" altLang="en-US" sz="1800">
-                <a:latin typeface="Arial" panose="020B0604020202020204" pitchFamily="34" charset="0"/>
-                <a:cs typeface="Arial" panose="020B0604020202020204" pitchFamily="34" charset="0"/>
-              </a:rPr>
-              <a:t>∆</a:t>
-            </a:r>
-            <a:r>
-              <a:rPr lang="en-US" altLang="en-US" sz="1400"/>
-              <a:t> </a:t>
-            </a:r>
-            <a:endParaRPr lang="en-US" altLang="en-US"/>
-          </a:p>
-        </p:txBody>
-      </p:sp>
-    </p:spTree>
-  </p:cSld>
-  <p:clrMapOvr>
-    <a:masterClrMapping/>
-  </p:clrMapOvr>
-</p:sld>
-</file>
-
-<file path=ppt/slides/slide13.xml><?xml version="1.0" encoding="utf-8"?>
-<p:sld xmlns:a="http://schemas.openxmlformats.org/drawingml/2006/main" xmlns:r="http://schemas.openxmlformats.org/officeDocument/2006/relationships" xmlns:p="http://schemas.openxmlformats.org/presentationml/2006/main">
-  <p:cSld>
-    <p:spTree>
-      <p:nvGrpSpPr>
-        <p:cNvPr id="1" name=""/>
-        <p:cNvGrpSpPr/>
-        <p:nvPr/>
-      </p:nvGrpSpPr>
-      <p:grpSpPr>
-        <a:xfrm>
-          <a:off x="0" y="0"/>
-          <a:ext cx="0" cy="0"/>
-          <a:chOff x="0" y="0"/>
-          <a:chExt cx="0" cy="0"/>
-        </a:xfrm>
-      </p:grpSpPr>
-      <p:sp>
-        <p:nvSpPr>
           <p:cNvPr id="21506" name="Rectangle 2"/>
           <p:cNvSpPr>
             <a:spLocks noGrp="1" noChangeArrowheads="1"/>
@@ -6022,7 +4803,7 @@
 </p:sld>
 </file>
 
-<file path=ppt/slides/slide14.xml><?xml version="1.0" encoding="utf-8"?>
+<file path=ppt/slides/slide11.xml><?xml version="1.0" encoding="utf-8"?>
 <p:sld xmlns:a="http://schemas.openxmlformats.org/drawingml/2006/main" xmlns:r="http://schemas.openxmlformats.org/officeDocument/2006/relationships" xmlns:p="http://schemas.openxmlformats.org/presentationml/2006/main">
   <p:cSld>
     <p:spTree>
@@ -7827,7 +6608,7 @@
 </p:sld>
 </file>
 
-<file path=ppt/slides/slide15.xml><?xml version="1.0" encoding="utf-8"?>
+<file path=ppt/slides/slide12.xml><?xml version="1.0" encoding="utf-8"?>
 <p:sld xmlns:a="http://schemas.openxmlformats.org/drawingml/2006/main" xmlns:r="http://schemas.openxmlformats.org/officeDocument/2006/relationships" xmlns:p="http://schemas.openxmlformats.org/presentationml/2006/main">
   <p:cSld>
     <p:spTree>
@@ -7948,7 +6729,7 @@
 </p:sld>
 </file>
 
-<file path=ppt/slides/slide16.xml><?xml version="1.0" encoding="utf-8"?>
+<file path=ppt/slides/slide13.xml><?xml version="1.0" encoding="utf-8"?>
 <p:sld xmlns:a="http://schemas.openxmlformats.org/drawingml/2006/main" xmlns:r="http://schemas.openxmlformats.org/officeDocument/2006/relationships" xmlns:p="http://schemas.openxmlformats.org/presentationml/2006/main">
   <p:cSld>
     <p:spTree>
@@ -9534,7 +8315,7 @@
 </p:sld>
 </file>
 
-<file path=ppt/slides/slide17.xml><?xml version="1.0" encoding="utf-8"?>
+<file path=ppt/slides/slide14.xml><?xml version="1.0" encoding="utf-8"?>
 <p:sld xmlns:a="http://schemas.openxmlformats.org/drawingml/2006/main" xmlns:r="http://schemas.openxmlformats.org/officeDocument/2006/relationships" xmlns:p="http://schemas.openxmlformats.org/presentationml/2006/main">
   <p:cSld>
     <p:spTree>
@@ -11792,7 +10573,7 @@
 </p:sld>
 </file>
 
-<file path=ppt/slides/slide18.xml><?xml version="1.0" encoding="utf-8"?>
+<file path=ppt/slides/slide15.xml><?xml version="1.0" encoding="utf-8"?>
 <p:sld xmlns:a="http://schemas.openxmlformats.org/drawingml/2006/main" xmlns:r="http://schemas.openxmlformats.org/officeDocument/2006/relationships" xmlns:p="http://schemas.openxmlformats.org/presentationml/2006/main">
   <p:cSld>
     <p:spTree>
@@ -11944,7 +10725,7 @@
 </p:sld>
 </file>
 
-<file path=ppt/slides/slide19.xml><?xml version="1.0" encoding="utf-8"?>
+<file path=ppt/slides/slide16.xml><?xml version="1.0" encoding="utf-8"?>
 <p:sld xmlns:a="http://schemas.openxmlformats.org/drawingml/2006/main" xmlns:r="http://schemas.openxmlformats.org/officeDocument/2006/relationships" xmlns:p="http://schemas.openxmlformats.org/presentationml/2006/main">
   <p:cSld>
     <p:spTree>
@@ -13334,440 +12115,7 @@
 </p:sld>
 </file>
 
-<file path=ppt/slides/slide2.xml><?xml version="1.0" encoding="utf-8"?>
-<p:sld xmlns:a="http://schemas.openxmlformats.org/drawingml/2006/main" xmlns:r="http://schemas.openxmlformats.org/officeDocument/2006/relationships" xmlns:p="http://schemas.openxmlformats.org/presentationml/2006/main">
-  <p:cSld>
-    <p:spTree>
-      <p:nvGrpSpPr>
-        <p:cNvPr id="1" name=""/>
-        <p:cNvGrpSpPr/>
-        <p:nvPr/>
-      </p:nvGrpSpPr>
-      <p:grpSpPr>
-        <a:xfrm>
-          <a:off x="0" y="0"/>
-          <a:ext cx="0" cy="0"/>
-          <a:chOff x="0" y="0"/>
-          <a:chExt cx="0" cy="0"/>
-        </a:xfrm>
-      </p:grpSpPr>
-      <p:sp>
-        <p:nvSpPr>
-          <p:cNvPr id="8194" name="Rectangle 2"/>
-          <p:cNvSpPr>
-            <a:spLocks noGrp="1" noChangeArrowheads="1"/>
-          </p:cNvSpPr>
-          <p:nvPr>
-            <p:ph type="title"/>
-          </p:nvPr>
-        </p:nvSpPr>
-        <p:spPr/>
-        <p:txBody>
-          <a:bodyPr/>
-          <a:lstStyle/>
-          <a:p>
-            <a:r>
-              <a:rPr lang="en-US" altLang="en-US"/>
-              <a:t>Solution of the Task</a:t>
-            </a:r>
-          </a:p>
-        </p:txBody>
-      </p:sp>
-      <mc:AlternateContent xmlns:mc="http://schemas.openxmlformats.org/markup-compatibility/2006">
-        <mc:Choice xmlns:a14="http://schemas.microsoft.com/office/drawing/2010/main" Requires="a14">
-          <p:sp>
-            <p:nvSpPr>
-              <p:cNvPr id="8195" name="Rectangle 3"/>
-              <p:cNvSpPr>
-                <a:spLocks noGrp="1" noChangeArrowheads="1"/>
-              </p:cNvSpPr>
-              <p:nvPr>
-                <p:ph type="body" idx="1"/>
-              </p:nvPr>
-            </p:nvSpPr>
-            <p:spPr/>
-            <p:txBody>
-              <a:bodyPr/>
-              <a:lstStyle/>
-              <a:p>
-                <a:pPr>
-                  <a:lnSpc>
-                    <a:spcPct val="90000"/>
-                  </a:lnSpc>
-                  <a:buFontTx/>
-                  <a:buNone/>
-                </a:pPr>
-                <a:r>
-                  <a:rPr lang="en-US" altLang="en-US" sz="3000" dirty="0" smtClean="0"/>
-                  <a:t>	</a:t>
-                </a:r>
-                <a:r>
-                  <a:rPr lang="en-US" altLang="en-US" sz="3000" dirty="0">
-                    <a:sym typeface="Math1" pitchFamily="2" charset="2"/>
-                  </a:rPr>
-                  <a:t>Convert the following CFG to CNF</a:t>
-                </a:r>
-              </a:p>
-              <a:p>
-                <a:pPr>
-                  <a:lnSpc>
-                    <a:spcPct val="90000"/>
-                  </a:lnSpc>
-                  <a:buFontTx/>
-                  <a:buNone/>
-                </a:pPr>
-                <a:r>
-                  <a:rPr lang="en-US" altLang="en-US" sz="3000" dirty="0">
-                    <a:sym typeface="Math1" pitchFamily="2" charset="2"/>
-                  </a:rPr>
-                  <a:t>	S</a:t>
-                </a:r>
-                <a:r>
-                  <a:rPr lang="en-US" altLang="en-US" sz="3000" dirty="0"/>
-                  <a:t> </a:t>
-                </a:r>
-                <a14:m>
-                  <m:oMath xmlns:m="http://schemas.openxmlformats.org/officeDocument/2006/math">
-                    <m:r>
-                      <a:rPr lang="en-US" altLang="en-US" sz="3000" b="0" i="1" dirty="0" smtClean="0">
-                        <a:latin typeface="Cambria Math" panose="02040503050406030204" pitchFamily="18" charset="0"/>
-                        <a:sym typeface="Math1" pitchFamily="2" charset="2"/>
-                      </a:rPr>
-                      <m:t>→</m:t>
-                    </m:r>
-                  </m:oMath>
-                </a14:m>
-                <a:r>
-                  <a:rPr lang="en-US" altLang="en-US" sz="3000" dirty="0">
-                    <a:sym typeface="Math1" pitchFamily="2" charset="2"/>
-                  </a:rPr>
-                  <a:t> ABAB</a:t>
-                </a:r>
-              </a:p>
-              <a:p>
-                <a:pPr>
-                  <a:lnSpc>
-                    <a:spcPct val="90000"/>
-                  </a:lnSpc>
-                  <a:buFontTx/>
-                  <a:buNone/>
-                </a:pPr>
-                <a:r>
-                  <a:rPr lang="en-US" altLang="en-US" sz="3000" dirty="0">
-                    <a:sym typeface="Math1" pitchFamily="2" charset="2"/>
-                  </a:rPr>
-                  <a:t>	A</a:t>
-                </a:r>
-                <a:r>
-                  <a:rPr lang="en-US" altLang="en-US" sz="3000" dirty="0"/>
-                  <a:t> </a:t>
-                </a:r>
-                <a14:m>
-                  <m:oMath xmlns:m="http://schemas.openxmlformats.org/officeDocument/2006/math">
-                    <m:r>
-                      <a:rPr lang="en-US" altLang="en-US" sz="3000" i="1" dirty="0">
-                        <a:latin typeface="Cambria Math" panose="02040503050406030204" pitchFamily="18" charset="0"/>
-                        <a:sym typeface="Math1" pitchFamily="2" charset="2"/>
-                      </a:rPr>
-                      <m:t>→</m:t>
-                    </m:r>
-                  </m:oMath>
-                </a14:m>
-                <a:r>
-                  <a:rPr lang="en-US" altLang="en-US" sz="3000" dirty="0">
-                    <a:sym typeface="Math1" pitchFamily="2" charset="2"/>
-                  </a:rPr>
-                  <a:t> a|</a:t>
-                </a:r>
-                <a:r>
-                  <a:rPr lang="en-US" altLang="en-US" sz="3000" dirty="0">
-                    <a:sym typeface="Math1" pitchFamily="2" charset="2"/>
-                  </a:rPr>
-                  <a:t> </a:t>
-                </a:r>
-                <a14:m>
-                  <m:oMath xmlns:m="http://schemas.openxmlformats.org/officeDocument/2006/math">
-                    <m:r>
-                      <m:rPr>
-                        <m:sty m:val="p"/>
-                      </m:rPr>
-                      <a:rPr lang="en-US" altLang="en-US" sz="3000" dirty="0">
-                        <a:latin typeface="Cambria Math" panose="02040503050406030204" pitchFamily="18" charset="0"/>
-                        <a:sym typeface="Math1" pitchFamily="2" charset="2"/>
-                      </a:rPr>
-                      <m:t>Λ</m:t>
-                    </m:r>
-                  </m:oMath>
-                </a14:m>
-                <a:endParaRPr lang="en-US" altLang="en-US" sz="3000" dirty="0">
-                  <a:sym typeface="Math1" pitchFamily="2" charset="2"/>
-                </a:endParaRPr>
-              </a:p>
-              <a:p>
-                <a:pPr>
-                  <a:lnSpc>
-                    <a:spcPct val="90000"/>
-                  </a:lnSpc>
-                  <a:buFontTx/>
-                  <a:buNone/>
-                </a:pPr>
-                <a:r>
-                  <a:rPr lang="en-US" altLang="en-US" sz="3000" dirty="0">
-                    <a:sym typeface="Math1" pitchFamily="2" charset="2"/>
-                  </a:rPr>
-                  <a:t>	B</a:t>
-                </a:r>
-                <a:r>
-                  <a:rPr lang="en-US" altLang="en-US" sz="3000" dirty="0"/>
-                  <a:t> </a:t>
-                </a:r>
-                <a14:m>
-                  <m:oMath xmlns:m="http://schemas.openxmlformats.org/officeDocument/2006/math">
-                    <m:r>
-                      <a:rPr lang="en-US" altLang="en-US" sz="3000" i="1" dirty="0">
-                        <a:latin typeface="Cambria Math" panose="02040503050406030204" pitchFamily="18" charset="0"/>
-                        <a:sym typeface="Math1" pitchFamily="2" charset="2"/>
-                      </a:rPr>
-                      <m:t>→</m:t>
-                    </m:r>
-                  </m:oMath>
-                </a14:m>
-                <a:r>
-                  <a:rPr lang="en-US" altLang="en-US" sz="3000" dirty="0">
-                    <a:sym typeface="Math1" pitchFamily="2" charset="2"/>
-                  </a:rPr>
-                  <a:t> b|</a:t>
-                </a:r>
-                <a:r>
-                  <a:rPr lang="en-US" altLang="en-US" sz="3000" dirty="0">
-                    <a:sym typeface="Math1" pitchFamily="2" charset="2"/>
-                  </a:rPr>
-                  <a:t> </a:t>
-                </a:r>
-                <a14:m>
-                  <m:oMath xmlns:m="http://schemas.openxmlformats.org/officeDocument/2006/math">
-                    <m:r>
-                      <m:rPr>
-                        <m:sty m:val="p"/>
-                      </m:rPr>
-                      <a:rPr lang="en-US" altLang="en-US" sz="3000" dirty="0">
-                        <a:latin typeface="Cambria Math" panose="02040503050406030204" pitchFamily="18" charset="0"/>
-                        <a:sym typeface="Math1" pitchFamily="2" charset="2"/>
-                      </a:rPr>
-                      <m:t>Λ</m:t>
-                    </m:r>
-                  </m:oMath>
-                </a14:m>
-                <a:endParaRPr lang="en-US" altLang="en-US" sz="3000" dirty="0">
-                  <a:sym typeface="Math1" pitchFamily="2" charset="2"/>
-                </a:endParaRPr>
-              </a:p>
-              <a:p>
-                <a:pPr>
-                  <a:lnSpc>
-                    <a:spcPct val="90000"/>
-                  </a:lnSpc>
-                  <a:buFontTx/>
-                  <a:buNone/>
-                </a:pPr>
-                <a:r>
-                  <a:rPr lang="en-US" altLang="en-US" sz="3000" b="1" dirty="0"/>
-                  <a:t>	</a:t>
-                </a:r>
-                <a:r>
-                  <a:rPr lang="en-US" altLang="en-US" sz="3000" b="1" u="sng" dirty="0"/>
-                  <a:t>Solution</a:t>
-                </a:r>
-                <a:r>
-                  <a:rPr lang="en-US" altLang="en-US" sz="3000" dirty="0"/>
-                  <a:t>: Removing the null productions </a:t>
-                </a:r>
-              </a:p>
-              <a:p>
-                <a:pPr>
-                  <a:lnSpc>
-                    <a:spcPct val="90000"/>
-                  </a:lnSpc>
-                  <a:buFontTx/>
-                  <a:buNone/>
-                </a:pPr>
-                <a:r>
-                  <a:rPr lang="en-US" altLang="en-US" sz="3000" dirty="0"/>
-                  <a:t>	</a:t>
-                </a:r>
-                <a:r>
-                  <a:rPr lang="en-US" altLang="en-US" sz="3000" dirty="0">
-                    <a:sym typeface="Math1" pitchFamily="2" charset="2"/>
-                  </a:rPr>
-                  <a:t>A</a:t>
-                </a:r>
-                <a:r>
-                  <a:rPr lang="en-US" altLang="en-US" sz="3000" dirty="0"/>
-                  <a:t> </a:t>
-                </a:r>
-                <a14:m>
-                  <m:oMath xmlns:m="http://schemas.openxmlformats.org/officeDocument/2006/math">
-                    <m:r>
-                      <a:rPr lang="en-US" altLang="en-US" sz="3000" i="1" dirty="0">
-                        <a:latin typeface="Cambria Math" panose="02040503050406030204" pitchFamily="18" charset="0"/>
-                        <a:sym typeface="Math1" pitchFamily="2" charset="2"/>
-                      </a:rPr>
-                      <m:t>→</m:t>
-                    </m:r>
-                  </m:oMath>
-                </a14:m>
-                <a:r>
-                  <a:rPr lang="en-US" altLang="en-US" sz="3000" dirty="0">
-                    <a:sym typeface="Math1" pitchFamily="2" charset="2"/>
-                  </a:rPr>
-                  <a:t> </a:t>
-                </a:r>
-                <a14:m>
-                  <m:oMath xmlns:m="http://schemas.openxmlformats.org/officeDocument/2006/math">
-                    <m:r>
-                      <m:rPr>
-                        <m:sty m:val="p"/>
-                      </m:rPr>
-                      <a:rPr lang="en-US" altLang="en-US" sz="3000" b="0" i="0" dirty="0" smtClean="0">
-                        <a:latin typeface="Cambria Math" panose="02040503050406030204" pitchFamily="18" charset="0"/>
-                        <a:sym typeface="Math1" pitchFamily="2" charset="2"/>
-                      </a:rPr>
-                      <m:t>Λ</m:t>
-                    </m:r>
-                  </m:oMath>
-                </a14:m>
-                <a:r>
-                  <a:rPr lang="en-US" altLang="en-US" sz="3000" dirty="0">
-                    <a:sym typeface="Math1" pitchFamily="2" charset="2"/>
-                  </a:rPr>
-                  <a:t> and B</a:t>
-                </a:r>
-                <a:r>
-                  <a:rPr lang="en-US" altLang="en-US" sz="3000" dirty="0"/>
-                  <a:t> </a:t>
-                </a:r>
-                <a14:m>
-                  <m:oMath xmlns:m="http://schemas.openxmlformats.org/officeDocument/2006/math">
-                    <m:r>
-                      <a:rPr lang="en-US" altLang="en-US" sz="3000" i="1" dirty="0">
-                        <a:latin typeface="Cambria Math" panose="02040503050406030204" pitchFamily="18" charset="0"/>
-                        <a:sym typeface="Math1" pitchFamily="2" charset="2"/>
-                      </a:rPr>
-                      <m:t>→</m:t>
-                    </m:r>
-                  </m:oMath>
-                </a14:m>
-                <a:r>
-                  <a:rPr lang="en-US" altLang="en-US" sz="3000" dirty="0" smtClean="0">
-                    <a:sym typeface="Math1" pitchFamily="2" charset="2"/>
-                  </a:rPr>
-                  <a:t> </a:t>
-                </a:r>
-                <a14:m>
-                  <m:oMath xmlns:m="http://schemas.openxmlformats.org/officeDocument/2006/math">
-                    <m:r>
-                      <m:rPr>
-                        <m:sty m:val="p"/>
-                      </m:rPr>
-                      <a:rPr lang="en-US" altLang="en-US" sz="3000" dirty="0">
-                        <a:latin typeface="Cambria Math" panose="02040503050406030204" pitchFamily="18" charset="0"/>
-                        <a:sym typeface="Math1" pitchFamily="2" charset="2"/>
-                      </a:rPr>
-                      <m:t>Λ</m:t>
-                    </m:r>
-                  </m:oMath>
-                </a14:m>
-                <a:r>
-                  <a:rPr lang="en-US" altLang="en-US" sz="3000" dirty="0">
-                    <a:sym typeface="Math1" pitchFamily="2" charset="2"/>
-                  </a:rPr>
-                  <a:t>, and introducing the new productions as </a:t>
-                </a:r>
-              </a:p>
-              <a:p>
-                <a:pPr>
-                  <a:lnSpc>
-                    <a:spcPct val="90000"/>
-                  </a:lnSpc>
-                  <a:buFontTx/>
-                  <a:buNone/>
-                </a:pPr>
-                <a:r>
-                  <a:rPr lang="en-US" altLang="en-US" sz="3000" dirty="0">
-                    <a:sym typeface="Math1" pitchFamily="2" charset="2"/>
-                  </a:rPr>
-                  <a:t>	S </a:t>
-                </a:r>
-                <a14:m>
-                  <m:oMath xmlns:m="http://schemas.openxmlformats.org/officeDocument/2006/math">
-                    <m:r>
-                      <a:rPr lang="en-US" altLang="en-US" sz="3000" i="1" dirty="0">
-                        <a:latin typeface="Cambria Math" panose="02040503050406030204" pitchFamily="18" charset="0"/>
-                        <a:sym typeface="Math1" pitchFamily="2" charset="2"/>
-                      </a:rPr>
-                      <m:t>→</m:t>
-                    </m:r>
-                  </m:oMath>
-                </a14:m>
-                <a:r>
-                  <a:rPr lang="en-US" altLang="en-US" sz="3000" dirty="0" smtClean="0">
-                    <a:sym typeface="Math1" pitchFamily="2" charset="2"/>
-                  </a:rPr>
-                  <a:t> </a:t>
-                </a:r>
-                <a:r>
-                  <a:rPr lang="en-US" altLang="en-US" sz="3000" dirty="0">
-                    <a:sym typeface="Math1" pitchFamily="2" charset="2"/>
-                  </a:rPr>
-                  <a:t>BAB|AAB|ABB|ABA|AA|AB|BA|BB|A|B</a:t>
-                </a:r>
-              </a:p>
-            </p:txBody>
-          </p:sp>
-        </mc:Choice>
-        <mc:Fallback>
-          <p:sp>
-            <p:nvSpPr>
-              <p:cNvPr id="8195" name="Rectangle 3"/>
-              <p:cNvSpPr>
-                <a:spLocks noGrp="1" noRot="1" noChangeAspect="1" noMove="1" noResize="1" noEditPoints="1" noAdjustHandles="1" noChangeArrowheads="1" noChangeShapeType="1" noTextEdit="1"/>
-              </p:cNvSpPr>
-              <p:nvPr>
-                <p:ph type="body" idx="1"/>
-              </p:nvPr>
-            </p:nvSpPr>
-            <p:spPr>
-              <a:blipFill>
-                <a:blip r:embed="rId2"/>
-                <a:stretch>
-                  <a:fillRect t="-2963" r="-1098" b="-148"/>
-                </a:stretch>
-              </a:blipFill>
-            </p:spPr>
-            <p:txBody>
-              <a:bodyPr/>
-              <a:lstStyle/>
-              <a:p>
-                <a:r>
-                  <a:rPr lang="en-US">
-                    <a:noFill/>
-                  </a:rPr>
-                  <a:t> </a:t>
-                </a:r>
-              </a:p>
-            </p:txBody>
-          </p:sp>
-        </mc:Fallback>
-      </mc:AlternateContent>
-    </p:spTree>
-  </p:cSld>
-  <p:clrMapOvr>
-    <a:masterClrMapping/>
-  </p:clrMapOvr>
-</p:sld>
-</file>
-
-<file path=ppt/slides/slide20.xml><?xml version="1.0" encoding="utf-8"?>
+<file path=ppt/slides/slide17.xml><?xml version="1.0" encoding="utf-8"?>
 <p:sld xmlns:a="http://schemas.openxmlformats.org/drawingml/2006/main" xmlns:r="http://schemas.openxmlformats.org/officeDocument/2006/relationships" xmlns:p="http://schemas.openxmlformats.org/presentationml/2006/main">
   <p:cSld>
     <p:spTree>
@@ -14407,7 +12755,7 @@
 </p:sld>
 </file>
 
-<file path=ppt/slides/slide21.xml><?xml version="1.0" encoding="utf-8"?>
+<file path=ppt/slides/slide18.xml><?xml version="1.0" encoding="utf-8"?>
 <p:sld xmlns:a="http://schemas.openxmlformats.org/drawingml/2006/main" xmlns:r="http://schemas.openxmlformats.org/officeDocument/2006/relationships" xmlns:p="http://schemas.openxmlformats.org/presentationml/2006/main">
   <p:cSld>
     <p:spTree>
@@ -14525,7 +12873,7 @@
 </p:sld>
 </file>
 
-<file path=ppt/slides/slide22.xml><?xml version="1.0" encoding="utf-8"?>
+<file path=ppt/slides/slide19.xml><?xml version="1.0" encoding="utf-8"?>
 <p:sld xmlns:a="http://schemas.openxmlformats.org/drawingml/2006/main" xmlns:r="http://schemas.openxmlformats.org/officeDocument/2006/relationships" xmlns:p="http://schemas.openxmlformats.org/presentationml/2006/main">
   <p:cSld>
     <p:spTree>
@@ -17488,7 +15836,96 @@
 </p:sld>
 </file>
 
-<file path=ppt/slides/slide23.xml><?xml version="1.0" encoding="utf-8"?>
+<file path=ppt/slides/slide2.xml><?xml version="1.0" encoding="utf-8"?>
+<p:sld xmlns:a="http://schemas.openxmlformats.org/drawingml/2006/main" xmlns:r="http://schemas.openxmlformats.org/officeDocument/2006/relationships" xmlns:p="http://schemas.openxmlformats.org/presentationml/2006/main">
+  <p:cSld>
+    <p:spTree>
+      <p:nvGrpSpPr>
+        <p:cNvPr id="1" name=""/>
+        <p:cNvGrpSpPr/>
+        <p:nvPr/>
+      </p:nvGrpSpPr>
+      <p:grpSpPr>
+        <a:xfrm>
+          <a:off x="0" y="0"/>
+          <a:ext cx="0" cy="0"/>
+          <a:chOff x="0" y="0"/>
+          <a:chExt cx="0" cy="0"/>
+        </a:xfrm>
+      </p:grpSpPr>
+      <p:sp>
+        <p:nvSpPr>
+          <p:cNvPr id="12290" name="Rectangle 2"/>
+          <p:cNvSpPr>
+            <a:spLocks noGrp="1" noChangeArrowheads="1"/>
+          </p:cNvSpPr>
+          <p:nvPr>
+            <p:ph type="title"/>
+          </p:nvPr>
+        </p:nvSpPr>
+        <p:spPr/>
+        <p:txBody>
+          <a:bodyPr/>
+          <a:lstStyle/>
+          <a:p>
+            <a:r>
+              <a:rPr lang="en-US" altLang="en-US"/>
+              <a:t>A new format for FAs</a:t>
+            </a:r>
+          </a:p>
+        </p:txBody>
+      </p:sp>
+      <p:sp>
+        <p:nvSpPr>
+          <p:cNvPr id="12291" name="Rectangle 3"/>
+          <p:cNvSpPr>
+            <a:spLocks noGrp="1" noChangeArrowheads="1"/>
+          </p:cNvSpPr>
+          <p:nvPr>
+            <p:ph type="body" idx="1"/>
+          </p:nvPr>
+        </p:nvSpPr>
+        <p:spPr>
+          <a:xfrm>
+            <a:off x="685800" y="1981200"/>
+            <a:ext cx="7772400" cy="4267200"/>
+          </a:xfrm>
+        </p:spPr>
+        <p:txBody>
+          <a:bodyPr/>
+          <a:lstStyle/>
+          <a:p>
+            <a:pPr>
+              <a:lnSpc>
+                <a:spcPct val="90000"/>
+              </a:lnSpc>
+              <a:buFontTx/>
+              <a:buNone/>
+            </a:pPr>
+            <a:r>
+              <a:rPr lang="en-US" altLang="en-US" sz="3000"/>
+              <a:t>	A class of machines (FAs) has been discussed accepting the regular language </a:t>
+            </a:r>
+            <a:r>
+              <a:rPr lang="en-US" altLang="en-US" sz="3000" i="1"/>
+              <a:t>i.e. </a:t>
+            </a:r>
+            <a:r>
+              <a:rPr lang="en-US" altLang="en-US" sz="3000"/>
+              <a:t>corresponding to a regular language there is a machine in this class, accepting that language and corresponding to a machine of this class there is a regular language accepted by this machine. It has also been discussed that there is a CFG corresponding to regular language and CFGs also define some nonregular languages, as well</a:t>
+            </a:r>
+          </a:p>
+        </p:txBody>
+      </p:sp>
+    </p:spTree>
+  </p:cSld>
+  <p:clrMapOvr>
+    <a:masterClrMapping/>
+  </p:clrMapOvr>
+</p:sld>
+</file>
+
+<file path=ppt/slides/slide20.xml><?xml version="1.0" encoding="utf-8"?>
 <p:sld xmlns:a="http://schemas.openxmlformats.org/drawingml/2006/main" xmlns:r="http://schemas.openxmlformats.org/officeDocument/2006/relationships" xmlns:p="http://schemas.openxmlformats.org/presentationml/2006/main">
   <p:cSld>
     <p:spTree>
@@ -18930,7 +17367,7 @@
 </p:sld>
 </file>
 
-<file path=ppt/slides/slide24.xml><?xml version="1.0" encoding="utf-8"?>
+<file path=ppt/slides/slide21.xml><?xml version="1.0" encoding="utf-8"?>
 <p:sld xmlns:a="http://schemas.openxmlformats.org/drawingml/2006/main" xmlns:r="http://schemas.openxmlformats.org/officeDocument/2006/relationships" xmlns:p="http://schemas.openxmlformats.org/presentationml/2006/main">
   <p:cSld>
     <p:spTree>
@@ -19761,7 +18198,7 @@
 </p:sld>
 </file>
 
-<file path=ppt/slides/slide25.xml><?xml version="1.0" encoding="utf-8"?>
+<file path=ppt/slides/slide22.xml><?xml version="1.0" encoding="utf-8"?>
 <p:sld xmlns:a="http://schemas.openxmlformats.org/drawingml/2006/main" xmlns:r="http://schemas.openxmlformats.org/officeDocument/2006/relationships" xmlns:p="http://schemas.openxmlformats.org/presentationml/2006/main">
   <p:cSld>
     <p:spTree>
@@ -22108,7 +20545,7 @@
 </p:sld>
 </file>
 
-<file path=ppt/slides/slide26.xml><?xml version="1.0" encoding="utf-8"?>
+<file path=ppt/slides/slide23.xml><?xml version="1.0" encoding="utf-8"?>
 <p:sld xmlns:a="http://schemas.openxmlformats.org/drawingml/2006/main" xmlns:r="http://schemas.openxmlformats.org/officeDocument/2006/relationships" xmlns:p="http://schemas.openxmlformats.org/presentationml/2006/main">
   <p:cSld>
     <p:spTree>
@@ -24828,7 +23265,7 @@
 </p:sld>
 </file>
 
-<file path=ppt/slides/slide27.xml><?xml version="1.0" encoding="utf-8"?>
+<file path=ppt/slides/slide24.xml><?xml version="1.0" encoding="utf-8"?>
 <p:sld xmlns:a="http://schemas.openxmlformats.org/drawingml/2006/main" xmlns:r="http://schemas.openxmlformats.org/officeDocument/2006/relationships" xmlns:p="http://schemas.openxmlformats.org/presentationml/2006/main">
   <p:cSld>
     <p:spTree>
@@ -27627,7 +26064,7 @@
 </p:sld>
 </file>
 
-<file path=ppt/slides/slide28.xml><?xml version="1.0" encoding="utf-8"?>
+<file path=ppt/slides/slide25.xml><?xml version="1.0" encoding="utf-8"?>
 <p:sld xmlns:a="http://schemas.openxmlformats.org/drawingml/2006/main" xmlns:r="http://schemas.openxmlformats.org/officeDocument/2006/relationships" xmlns:p="http://schemas.openxmlformats.org/presentationml/2006/main">
   <p:cSld>
     <p:spTree>
@@ -30582,7 +29019,7 @@
 </p:sld>
 </file>
 
-<file path=ppt/slides/slide29.xml><?xml version="1.0" encoding="utf-8"?>
+<file path=ppt/slides/slide26.xml><?xml version="1.0" encoding="utf-8"?>
 <p:sld xmlns:a="http://schemas.openxmlformats.org/drawingml/2006/main" xmlns:r="http://schemas.openxmlformats.org/officeDocument/2006/relationships" xmlns:p="http://schemas.openxmlformats.org/presentationml/2006/main">
   <p:cSld>
     <p:spTree>
@@ -30739,380 +29176,7 @@
 </p:sld>
 </file>
 
-<file path=ppt/slides/slide3.xml><?xml version="1.0" encoding="utf-8"?>
-<p:sld xmlns:a="http://schemas.openxmlformats.org/drawingml/2006/main" xmlns:r="http://schemas.openxmlformats.org/officeDocument/2006/relationships" xmlns:p="http://schemas.openxmlformats.org/presentationml/2006/main">
-  <p:cSld>
-    <p:spTree>
-      <p:nvGrpSpPr>
-        <p:cNvPr id="1" name=""/>
-        <p:cNvGrpSpPr/>
-        <p:nvPr/>
-      </p:nvGrpSpPr>
-      <p:grpSpPr>
-        <a:xfrm>
-          <a:off x="0" y="0"/>
-          <a:ext cx="0" cy="0"/>
-          <a:chOff x="0" y="0"/>
-          <a:chExt cx="0" cy="0"/>
-        </a:xfrm>
-      </p:grpSpPr>
-      <p:sp>
-        <p:nvSpPr>
-          <p:cNvPr id="9218" name="Rectangle 2"/>
-          <p:cNvSpPr>
-            <a:spLocks noGrp="1" noChangeArrowheads="1"/>
-          </p:cNvSpPr>
-          <p:nvPr>
-            <p:ph type="title"/>
-          </p:nvPr>
-        </p:nvSpPr>
-        <p:spPr>
-          <a:xfrm>
-            <a:off x="685800" y="381000"/>
-            <a:ext cx="7772400" cy="1143000"/>
-          </a:xfrm>
-        </p:spPr>
-        <p:txBody>
-          <a:bodyPr/>
-          <a:lstStyle/>
-          <a:p>
-            <a:r>
-              <a:rPr lang="en-US" altLang="en-US"/>
-              <a:t>Solution contd …</a:t>
-            </a:r>
-          </a:p>
-        </p:txBody>
-      </p:sp>
-      <mc:AlternateContent xmlns:mc="http://schemas.openxmlformats.org/markup-compatibility/2006">
-        <mc:Choice xmlns:a14="http://schemas.microsoft.com/office/drawing/2010/main" Requires="a14">
-          <p:sp>
-            <p:nvSpPr>
-              <p:cNvPr id="9219" name="Rectangle 3"/>
-              <p:cNvSpPr>
-                <a:spLocks noGrp="1" noChangeArrowheads="1"/>
-              </p:cNvSpPr>
-              <p:nvPr>
-                <p:ph type="body" idx="1"/>
-              </p:nvPr>
-            </p:nvSpPr>
-            <p:spPr>
-              <a:xfrm>
-                <a:off x="685800" y="1600200"/>
-                <a:ext cx="7772400" cy="4114800"/>
-              </a:xfrm>
-            </p:spPr>
-            <p:txBody>
-              <a:bodyPr/>
-              <a:lstStyle/>
-              <a:p>
-                <a:pPr>
-                  <a:lnSpc>
-                    <a:spcPct val="90000"/>
-                  </a:lnSpc>
-                  <a:buFontTx/>
-                  <a:buNone/>
-                </a:pPr>
-                <a:r>
-                  <a:rPr lang="en-US" altLang="en-US" sz="3000" dirty="0"/>
-                  <a:t>	Removing the unit productions </a:t>
-                </a:r>
-                <a:r>
-                  <a:rPr lang="en-US" altLang="en-US" sz="3000" dirty="0">
-                    <a:sym typeface="Math1" pitchFamily="2" charset="2"/>
-                  </a:rPr>
-                  <a:t>S</a:t>
-                </a:r>
-                <a:r>
-                  <a:rPr lang="en-US" altLang="en-US" sz="3000" dirty="0"/>
-                  <a:t> </a:t>
-                </a:r>
-                <a14:m>
-                  <m:oMath xmlns:m="http://schemas.openxmlformats.org/officeDocument/2006/math">
-                    <m:r>
-                      <a:rPr lang="en-US" altLang="en-US" sz="3000" i="1" dirty="0">
-                        <a:latin typeface="Cambria Math" panose="02040503050406030204" pitchFamily="18" charset="0"/>
-                        <a:sym typeface="Math1" pitchFamily="2" charset="2"/>
-                      </a:rPr>
-                      <m:t>→</m:t>
-                    </m:r>
-                  </m:oMath>
-                </a14:m>
-                <a:r>
-                  <a:rPr lang="en-US" altLang="en-US" sz="3000" dirty="0">
-                    <a:sym typeface="Math1" pitchFamily="2" charset="2"/>
-                  </a:rPr>
-                  <a:t> A|B and introducing the new productions as </a:t>
-                </a:r>
-              </a:p>
-              <a:p>
-                <a:pPr>
-                  <a:lnSpc>
-                    <a:spcPct val="90000"/>
-                  </a:lnSpc>
-                  <a:buFontTx/>
-                  <a:buNone/>
-                </a:pPr>
-                <a:r>
-                  <a:rPr lang="en-US" altLang="en-US" sz="3000" dirty="0">
-                    <a:sym typeface="Math1" pitchFamily="2" charset="2"/>
-                  </a:rPr>
-                  <a:t>	S</a:t>
-                </a:r>
-                <a:r>
-                  <a:rPr lang="en-US" altLang="en-US" sz="3000" dirty="0"/>
-                  <a:t> </a:t>
-                </a:r>
-                <a14:m>
-                  <m:oMath xmlns:m="http://schemas.openxmlformats.org/officeDocument/2006/math">
-                    <m:r>
-                      <a:rPr lang="en-US" altLang="en-US" sz="3000" i="1" dirty="0">
-                        <a:latin typeface="Cambria Math" panose="02040503050406030204" pitchFamily="18" charset="0"/>
-                        <a:sym typeface="Math1" pitchFamily="2" charset="2"/>
-                      </a:rPr>
-                      <m:t>→</m:t>
-                    </m:r>
-                  </m:oMath>
-                </a14:m>
-                <a:r>
-                  <a:rPr lang="en-US" altLang="en-US" sz="3000" dirty="0">
-                    <a:sym typeface="Math1" pitchFamily="2" charset="2"/>
-                  </a:rPr>
-                  <a:t> </a:t>
-                </a:r>
-                <a:r>
-                  <a:rPr lang="en-US" altLang="en-US" sz="3000" dirty="0" err="1">
-                    <a:sym typeface="Math1" pitchFamily="2" charset="2"/>
-                  </a:rPr>
-                  <a:t>a|b</a:t>
-                </a:r>
-                <a:endParaRPr lang="en-US" altLang="en-US" sz="3000" dirty="0">
-                  <a:sym typeface="Math1" pitchFamily="2" charset="2"/>
-                </a:endParaRPr>
-              </a:p>
-              <a:p>
-                <a:pPr>
-                  <a:lnSpc>
-                    <a:spcPct val="90000"/>
-                  </a:lnSpc>
-                  <a:buFontTx/>
-                  <a:buNone/>
-                </a:pPr>
-                <a:r>
-                  <a:rPr lang="en-US" altLang="en-US" sz="3000" dirty="0">
-                    <a:sym typeface="Math1" pitchFamily="2" charset="2"/>
-                  </a:rPr>
-                  <a:t>	Introducing the new nonterminal R to convert the productions of the form</a:t>
-                </a:r>
-              </a:p>
-              <a:p>
-                <a:pPr>
-                  <a:lnSpc>
-                    <a:spcPct val="90000"/>
-                  </a:lnSpc>
-                  <a:buFontTx/>
-                  <a:buNone/>
-                </a:pPr>
-                <a:r>
-                  <a:rPr lang="en-US" altLang="en-US" sz="3000" dirty="0">
-                    <a:sym typeface="Math1" pitchFamily="2" charset="2"/>
-                  </a:rPr>
-                  <a:t>	S</a:t>
-                </a:r>
-                <a:r>
-                  <a:rPr lang="en-US" altLang="en-US" sz="3000" dirty="0"/>
-                  <a:t> </a:t>
-                </a:r>
-                <a14:m>
-                  <m:oMath xmlns:m="http://schemas.openxmlformats.org/officeDocument/2006/math">
-                    <m:r>
-                      <a:rPr lang="en-US" altLang="en-US" sz="3000" i="1" dirty="0">
-                        <a:latin typeface="Cambria Math" panose="02040503050406030204" pitchFamily="18" charset="0"/>
-                        <a:sym typeface="Math1" pitchFamily="2" charset="2"/>
-                      </a:rPr>
-                      <m:t>→</m:t>
-                    </m:r>
-                  </m:oMath>
-                </a14:m>
-                <a:r>
-                  <a:rPr lang="en-US" altLang="en-US" sz="3000" dirty="0">
-                    <a:sym typeface="Math1" pitchFamily="2" charset="2"/>
-                  </a:rPr>
-                  <a:t> string of four </a:t>
-                </a:r>
-                <a:r>
-                  <a:rPr lang="en-US" altLang="en-US" sz="3000" dirty="0" err="1">
-                    <a:sym typeface="Math1" pitchFamily="2" charset="2"/>
-                  </a:rPr>
-                  <a:t>nonterminals</a:t>
-                </a:r>
-                <a:endParaRPr lang="en-US" altLang="en-US" sz="3000" dirty="0">
-                  <a:sym typeface="Math1" pitchFamily="2" charset="2"/>
-                </a:endParaRPr>
-              </a:p>
-              <a:p>
-                <a:pPr>
-                  <a:lnSpc>
-                    <a:spcPct val="90000"/>
-                  </a:lnSpc>
-                  <a:buFontTx/>
-                  <a:buNone/>
-                </a:pPr>
-                <a:r>
-                  <a:rPr lang="en-US" altLang="en-US" sz="3000" dirty="0">
-                    <a:sym typeface="Math1" pitchFamily="2" charset="2"/>
-                  </a:rPr>
-                  <a:t>    to the form</a:t>
-                </a:r>
-              </a:p>
-              <a:p>
-                <a:pPr>
-                  <a:lnSpc>
-                    <a:spcPct val="90000"/>
-                  </a:lnSpc>
-                  <a:buFontTx/>
-                  <a:buNone/>
-                </a:pPr>
-                <a:r>
-                  <a:rPr lang="en-US" altLang="en-US" sz="3000" dirty="0">
-                    <a:sym typeface="Math1" pitchFamily="2" charset="2"/>
-                  </a:rPr>
-                  <a:t>	S</a:t>
-                </a:r>
-                <a:r>
-                  <a:rPr lang="en-US" altLang="en-US" sz="3000" dirty="0"/>
-                  <a:t> </a:t>
-                </a:r>
-                <a14:m>
-                  <m:oMath xmlns:m="http://schemas.openxmlformats.org/officeDocument/2006/math">
-                    <m:r>
-                      <a:rPr lang="en-US" altLang="en-US" sz="3000" i="1" dirty="0">
-                        <a:latin typeface="Cambria Math" panose="02040503050406030204" pitchFamily="18" charset="0"/>
-                        <a:sym typeface="Math1" pitchFamily="2" charset="2"/>
-                      </a:rPr>
-                      <m:t>→</m:t>
-                    </m:r>
-                  </m:oMath>
-                </a14:m>
-                <a:r>
-                  <a:rPr lang="en-US" altLang="en-US" sz="3000" dirty="0">
-                    <a:sym typeface="Math1" pitchFamily="2" charset="2"/>
-                  </a:rPr>
-                  <a:t> string of two </a:t>
-                </a:r>
-                <a:r>
-                  <a:rPr lang="en-US" altLang="en-US" sz="3000" dirty="0" err="1">
-                    <a:sym typeface="Math1" pitchFamily="2" charset="2"/>
-                  </a:rPr>
-                  <a:t>nonterminals</a:t>
-                </a:r>
-                <a:r>
-                  <a:rPr lang="en-US" altLang="en-US" sz="3000" dirty="0">
-                    <a:sym typeface="Math1" pitchFamily="2" charset="2"/>
-                  </a:rPr>
-                  <a:t> </a:t>
-                </a:r>
-              </a:p>
-              <a:p>
-                <a:pPr>
-                  <a:lnSpc>
-                    <a:spcPct val="90000"/>
-                  </a:lnSpc>
-                  <a:buFontTx/>
-                  <a:buNone/>
-                </a:pPr>
-                <a:r>
-                  <a:rPr lang="en-US" altLang="en-US" sz="3000" dirty="0">
-                    <a:sym typeface="Math1" pitchFamily="2" charset="2"/>
-                  </a:rPr>
-                  <a:t>	as</a:t>
-                </a:r>
-              </a:p>
-              <a:p>
-                <a:pPr>
-                  <a:lnSpc>
-                    <a:spcPct val="90000"/>
-                  </a:lnSpc>
-                  <a:buFontTx/>
-                  <a:buNone/>
-                </a:pPr>
-                <a:r>
-                  <a:rPr lang="en-US" altLang="en-US" sz="3000" dirty="0">
-                    <a:sym typeface="Math1" pitchFamily="2" charset="2"/>
-                  </a:rPr>
-                  <a:t>	R</a:t>
-                </a:r>
-                <a:r>
-                  <a:rPr lang="en-US" altLang="en-US" sz="3000" dirty="0"/>
-                  <a:t> </a:t>
-                </a:r>
-                <a14:m>
-                  <m:oMath xmlns:m="http://schemas.openxmlformats.org/officeDocument/2006/math">
-                    <m:r>
-                      <a:rPr lang="en-US" altLang="en-US" sz="3000" i="1" dirty="0">
-                        <a:latin typeface="Cambria Math" panose="02040503050406030204" pitchFamily="18" charset="0"/>
-                        <a:sym typeface="Math1" pitchFamily="2" charset="2"/>
-                      </a:rPr>
-                      <m:t>→</m:t>
-                    </m:r>
-                  </m:oMath>
-                </a14:m>
-                <a:r>
-                  <a:rPr lang="en-US" altLang="en-US" sz="3000" dirty="0">
-                    <a:sym typeface="Math1" pitchFamily="2" charset="2"/>
-                  </a:rPr>
-                  <a:t> AB</a:t>
-                </a:r>
-              </a:p>
-            </p:txBody>
-          </p:sp>
-        </mc:Choice>
-        <mc:Fallback>
-          <p:sp>
-            <p:nvSpPr>
-              <p:cNvPr id="9219" name="Rectangle 3"/>
-              <p:cNvSpPr>
-                <a:spLocks noGrp="1" noRot="1" noChangeAspect="1" noMove="1" noResize="1" noEditPoints="1" noAdjustHandles="1" noChangeArrowheads="1" noChangeShapeType="1" noTextEdit="1"/>
-              </p:cNvSpPr>
-              <p:nvPr>
-                <p:ph type="body" idx="1"/>
-              </p:nvPr>
-            </p:nvSpPr>
-            <p:spPr>
-              <a:xfrm>
-                <a:off x="685800" y="1600200"/>
-                <a:ext cx="7772400" cy="4114800"/>
-              </a:xfrm>
-              <a:blipFill>
-                <a:blip r:embed="rId2"/>
-                <a:stretch>
-                  <a:fillRect t="-2963" b="-22222"/>
-                </a:stretch>
-              </a:blipFill>
-            </p:spPr>
-            <p:txBody>
-              <a:bodyPr/>
-              <a:lstStyle/>
-              <a:p>
-                <a:r>
-                  <a:rPr lang="en-US">
-                    <a:noFill/>
-                  </a:rPr>
-                  <a:t> </a:t>
-                </a:r>
-              </a:p>
-            </p:txBody>
-          </p:sp>
-        </mc:Fallback>
-      </mc:AlternateContent>
-    </p:spTree>
-  </p:cSld>
-  <p:clrMapOvr>
-    <a:masterClrMapping/>
-  </p:clrMapOvr>
-</p:sld>
-</file>
-
-<file path=ppt/slides/slide30.xml><?xml version="1.0" encoding="utf-8"?>
+<file path=ppt/slides/slide27.xml><?xml version="1.0" encoding="utf-8"?>
 <p:sld xmlns:a="http://schemas.openxmlformats.org/drawingml/2006/main" xmlns:r="http://schemas.openxmlformats.org/officeDocument/2006/relationships" xmlns:p="http://schemas.openxmlformats.org/presentationml/2006/main">
   <p:cSld>
     <p:spTree>
@@ -32605,7 +30669,7 @@
 </p:sld>
 </file>
 
-<file path=ppt/slides/slide31.xml><?xml version="1.0" encoding="utf-8"?>
+<file path=ppt/slides/slide28.xml><?xml version="1.0" encoding="utf-8"?>
 <p:sld xmlns:a="http://schemas.openxmlformats.org/drawingml/2006/main" xmlns:r="http://schemas.openxmlformats.org/officeDocument/2006/relationships" xmlns:p="http://schemas.openxmlformats.org/presentationml/2006/main">
   <p:cSld>
     <p:spTree>
@@ -34090,7 +32154,7 @@
 </p:sld>
 </file>
 
-<file path=ppt/slides/slide32.xml><?xml version="1.0" encoding="utf-8"?>
+<file path=ppt/slides/slide29.xml><?xml version="1.0" encoding="utf-8"?>
 <p:sld xmlns:a="http://schemas.openxmlformats.org/drawingml/2006/main" xmlns:r="http://schemas.openxmlformats.org/officeDocument/2006/relationships" xmlns:p="http://schemas.openxmlformats.org/presentationml/2006/main">
   <p:cSld>
     <p:spTree>
@@ -34159,329 +32223,7 @@
 </p:sld>
 </file>
 
-<file path=ppt/slides/slide4.xml><?xml version="1.0" encoding="utf-8"?>
-<p:sld xmlns:a="http://schemas.openxmlformats.org/drawingml/2006/main" xmlns:r="http://schemas.openxmlformats.org/officeDocument/2006/relationships" xmlns:p="http://schemas.openxmlformats.org/presentationml/2006/main">
-  <p:cSld>
-    <p:spTree>
-      <p:nvGrpSpPr>
-        <p:cNvPr id="1" name=""/>
-        <p:cNvGrpSpPr/>
-        <p:nvPr/>
-      </p:nvGrpSpPr>
-      <p:grpSpPr>
-        <a:xfrm>
-          <a:off x="0" y="0"/>
-          <a:ext cx="0" cy="0"/>
-          <a:chOff x="0" y="0"/>
-          <a:chExt cx="0" cy="0"/>
-        </a:xfrm>
-      </p:grpSpPr>
-      <p:sp>
-        <p:nvSpPr>
-          <p:cNvPr id="10242" name="Rectangle 2"/>
-          <p:cNvSpPr>
-            <a:spLocks noGrp="1" noChangeArrowheads="1"/>
-          </p:cNvSpPr>
-          <p:nvPr>
-            <p:ph type="title"/>
-          </p:nvPr>
-        </p:nvSpPr>
-        <p:spPr/>
-        <p:txBody>
-          <a:bodyPr/>
-          <a:lstStyle/>
-          <a:p>
-            <a:r>
-              <a:rPr lang="en-US" altLang="en-US"/>
-              <a:t>Solution continued …</a:t>
-            </a:r>
-          </a:p>
-        </p:txBody>
-      </p:sp>
-      <mc:AlternateContent xmlns:mc="http://schemas.openxmlformats.org/markup-compatibility/2006">
-        <mc:Choice xmlns:a14="http://schemas.microsoft.com/office/drawing/2010/main" Requires="a14">
-          <p:sp>
-            <p:nvSpPr>
-              <p:cNvPr id="10243" name="Rectangle 3"/>
-              <p:cNvSpPr>
-                <a:spLocks noGrp="1" noChangeArrowheads="1"/>
-              </p:cNvSpPr>
-              <p:nvPr>
-                <p:ph type="body" idx="1"/>
-              </p:nvPr>
-            </p:nvSpPr>
-            <p:spPr>
-              <a:xfrm>
-                <a:off x="685800" y="1981200"/>
-                <a:ext cx="7924800" cy="4114800"/>
-              </a:xfrm>
-            </p:spPr>
-            <p:txBody>
-              <a:bodyPr/>
-              <a:lstStyle/>
-              <a:p>
-                <a:pPr>
-                  <a:buFontTx/>
-                  <a:buNone/>
-                </a:pPr>
-                <a:r>
-                  <a:rPr lang="en-US" altLang="en-US" sz="3400" dirty="0">
-                    <a:sym typeface="Math1" pitchFamily="2" charset="2"/>
-                  </a:rPr>
-                  <a:t>	Thus the required CNF becomes </a:t>
-                </a:r>
-              </a:p>
-              <a:p>
-                <a:pPr>
-                  <a:buFontTx/>
-                  <a:buNone/>
-                </a:pPr>
-                <a:r>
-                  <a:rPr lang="en-US" altLang="en-US" sz="3400" dirty="0">
-                    <a:sym typeface="Math1" pitchFamily="2" charset="2"/>
-                  </a:rPr>
-                  <a:t>	</a:t>
-                </a:r>
-                <a:r>
-                  <a:rPr lang="en-US" altLang="en-US" sz="3400" dirty="0" err="1">
-                    <a:sym typeface="Math1" pitchFamily="2" charset="2"/>
-                  </a:rPr>
-                  <a:t>S→RR|AR|BR|RA|RB|AA|AB|BA|BB|a|b</a:t>
-                </a:r>
-                <a:endParaRPr lang="en-US" altLang="en-US" sz="3400" dirty="0">
-                  <a:sym typeface="Math1" pitchFamily="2" charset="2"/>
-                </a:endParaRPr>
-              </a:p>
-              <a:p>
-                <a:pPr>
-                  <a:buFontTx/>
-                  <a:buNone/>
-                </a:pPr>
-                <a:r>
-                  <a:rPr lang="en-US" altLang="en-US" sz="3400" dirty="0">
-                    <a:sym typeface="Math1" pitchFamily="2" charset="2"/>
-                  </a:rPr>
-                  <a:t>	R </a:t>
-                </a:r>
-                <a14:m>
-                  <m:oMath xmlns:m="http://schemas.openxmlformats.org/officeDocument/2006/math">
-                    <m:r>
-                      <a:rPr lang="en-US" altLang="en-US" sz="3600" i="1" dirty="0">
-                        <a:latin typeface="Cambria Math" panose="02040503050406030204" pitchFamily="18" charset="0"/>
-                        <a:sym typeface="Math1" pitchFamily="2" charset="2"/>
-                      </a:rPr>
-                      <m:t>→</m:t>
-                    </m:r>
-                  </m:oMath>
-                </a14:m>
-                <a:r>
-                  <a:rPr lang="en-US" altLang="en-US" sz="3400" dirty="0">
-                    <a:sym typeface="Math1" pitchFamily="2" charset="2"/>
-                  </a:rPr>
-                  <a:t> AB</a:t>
-                </a:r>
-              </a:p>
-              <a:p>
-                <a:pPr>
-                  <a:buFontTx/>
-                  <a:buNone/>
-                </a:pPr>
-                <a:r>
-                  <a:rPr lang="en-US" altLang="en-US" sz="3400" dirty="0">
-                    <a:sym typeface="Math1" pitchFamily="2" charset="2"/>
-                  </a:rPr>
-                  <a:t>	A </a:t>
-                </a:r>
-                <a14:m>
-                  <m:oMath xmlns:m="http://schemas.openxmlformats.org/officeDocument/2006/math">
-                    <m:r>
-                      <a:rPr lang="en-US" altLang="en-US" sz="3600" i="1" dirty="0">
-                        <a:latin typeface="Cambria Math" panose="02040503050406030204" pitchFamily="18" charset="0"/>
-                        <a:sym typeface="Math1" pitchFamily="2" charset="2"/>
-                      </a:rPr>
-                      <m:t>→</m:t>
-                    </m:r>
-                  </m:oMath>
-                </a14:m>
-                <a:r>
-                  <a:rPr lang="en-US" altLang="en-US" sz="3400" dirty="0">
-                    <a:sym typeface="Math1" pitchFamily="2" charset="2"/>
-                  </a:rPr>
-                  <a:t> a</a:t>
-                </a:r>
-              </a:p>
-              <a:p>
-                <a:pPr>
-                  <a:buFontTx/>
-                  <a:buNone/>
-                </a:pPr>
-                <a:r>
-                  <a:rPr lang="en-US" altLang="en-US" sz="3400" dirty="0">
-                    <a:sym typeface="Math1" pitchFamily="2" charset="2"/>
-                  </a:rPr>
-                  <a:t>	B</a:t>
-                </a:r>
-                <a:r>
-                  <a:rPr lang="en-US" altLang="en-US" sz="3400" dirty="0"/>
-                  <a:t> </a:t>
-                </a:r>
-                <a14:m>
-                  <m:oMath xmlns:m="http://schemas.openxmlformats.org/officeDocument/2006/math">
-                    <m:r>
-                      <a:rPr lang="en-US" altLang="en-US" sz="3600" i="1" dirty="0">
-                        <a:latin typeface="Cambria Math" panose="02040503050406030204" pitchFamily="18" charset="0"/>
-                        <a:sym typeface="Math1" pitchFamily="2" charset="2"/>
-                      </a:rPr>
-                      <m:t>→</m:t>
-                    </m:r>
-                  </m:oMath>
-                </a14:m>
-                <a:r>
-                  <a:rPr lang="en-US" altLang="en-US" sz="3400" dirty="0">
-                    <a:sym typeface="Math1" pitchFamily="2" charset="2"/>
-                  </a:rPr>
-                  <a:t> b</a:t>
-                </a:r>
-              </a:p>
-            </p:txBody>
-          </p:sp>
-        </mc:Choice>
-        <mc:Fallback>
-          <p:sp>
-            <p:nvSpPr>
-              <p:cNvPr id="10243" name="Rectangle 3"/>
-              <p:cNvSpPr>
-                <a:spLocks noGrp="1" noRot="1" noChangeAspect="1" noMove="1" noResize="1" noEditPoints="1" noAdjustHandles="1" noChangeArrowheads="1" noChangeShapeType="1" noTextEdit="1"/>
-              </p:cNvSpPr>
-              <p:nvPr>
-                <p:ph type="body" idx="1"/>
-              </p:nvPr>
-            </p:nvSpPr>
-            <p:spPr>
-              <a:xfrm>
-                <a:off x="685800" y="1981200"/>
-                <a:ext cx="7924800" cy="4114800"/>
-              </a:xfrm>
-              <a:blipFill>
-                <a:blip r:embed="rId2"/>
-                <a:stretch>
-                  <a:fillRect t="-2222"/>
-                </a:stretch>
-              </a:blipFill>
-            </p:spPr>
-            <p:txBody>
-              <a:bodyPr/>
-              <a:lstStyle/>
-              <a:p>
-                <a:r>
-                  <a:rPr lang="en-US">
-                    <a:noFill/>
-                  </a:rPr>
-                  <a:t> </a:t>
-                </a:r>
-              </a:p>
-            </p:txBody>
-          </p:sp>
-        </mc:Fallback>
-      </mc:AlternateContent>
-    </p:spTree>
-  </p:cSld>
-  <p:clrMapOvr>
-    <a:masterClrMapping/>
-  </p:clrMapOvr>
-</p:sld>
-</file>
-
-<file path=ppt/slides/slide5.xml><?xml version="1.0" encoding="utf-8"?>
-<p:sld xmlns:a="http://schemas.openxmlformats.org/drawingml/2006/main" xmlns:r="http://schemas.openxmlformats.org/officeDocument/2006/relationships" xmlns:p="http://schemas.openxmlformats.org/presentationml/2006/main">
-  <p:cSld>
-    <p:spTree>
-      <p:nvGrpSpPr>
-        <p:cNvPr id="1" name=""/>
-        <p:cNvGrpSpPr/>
-        <p:nvPr/>
-      </p:nvGrpSpPr>
-      <p:grpSpPr>
-        <a:xfrm>
-          <a:off x="0" y="0"/>
-          <a:ext cx="0" cy="0"/>
-          <a:chOff x="0" y="0"/>
-          <a:chExt cx="0" cy="0"/>
-        </a:xfrm>
-      </p:grpSpPr>
-      <p:sp>
-        <p:nvSpPr>
-          <p:cNvPr id="12290" name="Rectangle 2"/>
-          <p:cNvSpPr>
-            <a:spLocks noGrp="1" noChangeArrowheads="1"/>
-          </p:cNvSpPr>
-          <p:nvPr>
-            <p:ph type="title"/>
-          </p:nvPr>
-        </p:nvSpPr>
-        <p:spPr/>
-        <p:txBody>
-          <a:bodyPr/>
-          <a:lstStyle/>
-          <a:p>
-            <a:r>
-              <a:rPr lang="en-US" altLang="en-US"/>
-              <a:t>A new format for FAs</a:t>
-            </a:r>
-          </a:p>
-        </p:txBody>
-      </p:sp>
-      <p:sp>
-        <p:nvSpPr>
-          <p:cNvPr id="12291" name="Rectangle 3"/>
-          <p:cNvSpPr>
-            <a:spLocks noGrp="1" noChangeArrowheads="1"/>
-          </p:cNvSpPr>
-          <p:nvPr>
-            <p:ph type="body" idx="1"/>
-          </p:nvPr>
-        </p:nvSpPr>
-        <p:spPr>
-          <a:xfrm>
-            <a:off x="685800" y="1981200"/>
-            <a:ext cx="7772400" cy="4267200"/>
-          </a:xfrm>
-        </p:spPr>
-        <p:txBody>
-          <a:bodyPr/>
-          <a:lstStyle/>
-          <a:p>
-            <a:pPr>
-              <a:lnSpc>
-                <a:spcPct val="90000"/>
-              </a:lnSpc>
-              <a:buFontTx/>
-              <a:buNone/>
-            </a:pPr>
-            <a:r>
-              <a:rPr lang="en-US" altLang="en-US" sz="3000"/>
-              <a:t>	A class of machines (FAs) has been discussed accepting the regular language </a:t>
-            </a:r>
-            <a:r>
-              <a:rPr lang="en-US" altLang="en-US" sz="3000" i="1"/>
-              <a:t>i.e. </a:t>
-            </a:r>
-            <a:r>
-              <a:rPr lang="en-US" altLang="en-US" sz="3000"/>
-              <a:t>corresponding to a regular language there is a machine in this class, accepting that language and corresponding to a machine of this class there is a regular language accepted by this machine. It has also been discussed that there is a CFG corresponding to regular language and CFGs also define some nonregular languages, as well</a:t>
-            </a:r>
-          </a:p>
-        </p:txBody>
-      </p:sp>
-    </p:spTree>
-  </p:cSld>
-  <p:clrMapOvr>
-    <a:masterClrMapping/>
-  </p:clrMapOvr>
-</p:sld>
-</file>
-
-<file path=ppt/slides/slide6.xml><?xml version="1.0" encoding="utf-8"?>
+<file path=ppt/slides/slide3.xml><?xml version="1.0" encoding="utf-8"?>
 <p:sld xmlns:a="http://schemas.openxmlformats.org/drawingml/2006/main" xmlns:r="http://schemas.openxmlformats.org/officeDocument/2006/relationships" xmlns:p="http://schemas.openxmlformats.org/presentationml/2006/main">
   <p:cSld>
     <p:spTree>
@@ -34571,7 +32313,7 @@
 </p:sld>
 </file>
 
-<file path=ppt/slides/slide7.xml><?xml version="1.0" encoding="utf-8"?>
+<file path=ppt/slides/slide4.xml><?xml version="1.0" encoding="utf-8"?>
 <p:sld xmlns:a="http://schemas.openxmlformats.org/drawingml/2006/main" xmlns:r="http://schemas.openxmlformats.org/officeDocument/2006/relationships" xmlns:p="http://schemas.openxmlformats.org/presentationml/2006/main">
   <p:cSld>
     <p:spTree>
@@ -34696,7 +32438,7 @@
 </p:sld>
 </file>
 
-<file path=ppt/slides/slide8.xml><?xml version="1.0" encoding="utf-8"?>
+<file path=ppt/slides/slide5.xml><?xml version="1.0" encoding="utf-8"?>
 <p:sld xmlns:a="http://schemas.openxmlformats.org/drawingml/2006/main" xmlns:r="http://schemas.openxmlformats.org/officeDocument/2006/relationships" xmlns:p="http://schemas.openxmlformats.org/presentationml/2006/main">
   <p:cSld>
     <p:spTree>
@@ -37238,7 +34980,7 @@
 </p:sld>
 </file>
 
-<file path=ppt/slides/slide9.xml><?xml version="1.0" encoding="utf-8"?>
+<file path=ppt/slides/slide6.xml><?xml version="1.0" encoding="utf-8"?>
 <p:sld xmlns:a="http://schemas.openxmlformats.org/drawingml/2006/main" xmlns:r="http://schemas.openxmlformats.org/officeDocument/2006/relationships" xmlns:p="http://schemas.openxmlformats.org/presentationml/2006/main">
   <p:cSld>
     <p:spTree>
@@ -37532,6 +35274,1222 @@
           </p:sp>
         </p:grpSp>
       </p:grpSp>
+    </p:spTree>
+  </p:cSld>
+  <p:clrMapOvr>
+    <a:masterClrMapping/>
+  </p:clrMapOvr>
+</p:sld>
+</file>
+
+<file path=ppt/slides/slide7.xml><?xml version="1.0" encoding="utf-8"?>
+<p:sld xmlns:a="http://schemas.openxmlformats.org/drawingml/2006/main" xmlns:r="http://schemas.openxmlformats.org/officeDocument/2006/relationships" xmlns:p="http://schemas.openxmlformats.org/presentationml/2006/main">
+  <p:cSld>
+    <p:spTree>
+      <p:nvGrpSpPr>
+        <p:cNvPr id="1" name=""/>
+        <p:cNvGrpSpPr/>
+        <p:nvPr/>
+      </p:nvGrpSpPr>
+      <p:grpSpPr>
+        <a:xfrm>
+          <a:off x="0" y="0"/>
+          <a:ext cx="0" cy="0"/>
+          <a:chOff x="0" y="0"/>
+          <a:chExt cx="0" cy="0"/>
+        </a:xfrm>
+      </p:grpSpPr>
+      <p:sp>
+        <p:nvSpPr>
+          <p:cNvPr id="17410" name="Rectangle 2"/>
+          <p:cNvSpPr>
+            <a:spLocks noGrp="1" noChangeArrowheads="1"/>
+          </p:cNvSpPr>
+          <p:nvPr>
+            <p:ph type="title"/>
+          </p:nvPr>
+        </p:nvSpPr>
+        <p:spPr/>
+        <p:txBody>
+          <a:bodyPr/>
+          <a:lstStyle/>
+          <a:p>
+            <a:r>
+              <a:rPr lang="en-US" altLang="en-US"/>
+              <a:t>An Accept state</a:t>
+            </a:r>
+          </a:p>
+        </p:txBody>
+      </p:sp>
+      <p:sp>
+        <p:nvSpPr>
+          <p:cNvPr id="17411" name="Rectangle 3"/>
+          <p:cNvSpPr>
+            <a:spLocks noGrp="1" noChangeArrowheads="1"/>
+          </p:cNvSpPr>
+          <p:nvPr>
+            <p:ph type="body" idx="1"/>
+          </p:nvPr>
+        </p:nvSpPr>
+        <p:spPr/>
+        <p:txBody>
+          <a:bodyPr/>
+          <a:lstStyle/>
+          <a:p>
+            <a:pPr>
+              <a:buFontTx/>
+              <a:buNone/>
+            </a:pPr>
+            <a:r>
+              <a:rPr lang="en-US" altLang="en-US" sz="3000"/>
+              <a:t>   </a:t>
+            </a:r>
+            <a:r>
+              <a:rPr lang="en-US" altLang="en-US" sz="3000" b="1" u="sng"/>
+              <a:t>ACCEPT:</a:t>
+            </a:r>
+            <a:r>
+              <a:rPr lang="en-US" altLang="en-US" sz="3000" u="sng"/>
+              <a:t> </a:t>
+            </a:r>
+            <a:r>
+              <a:rPr lang="en-US" altLang="en-US" sz="3000"/>
+              <a:t>This state is like a final state of an FA and is expressed by</a:t>
+            </a:r>
+          </a:p>
+        </p:txBody>
+      </p:sp>
+      <p:sp>
+        <p:nvSpPr>
+          <p:cNvPr id="17412" name="Line 4"/>
+          <p:cNvSpPr>
+            <a:spLocks noChangeShapeType="1"/>
+          </p:cNvSpPr>
+          <p:nvPr/>
+        </p:nvSpPr>
+        <p:spPr bwMode="auto">
+          <a:xfrm rot="-10800000">
+            <a:off x="4191000" y="3371850"/>
+            <a:ext cx="0" cy="838200"/>
+          </a:xfrm>
+          <a:prstGeom prst="line">
+            <a:avLst/>
+          </a:prstGeom>
+          <a:noFill/>
+          <a:ln w="9525">
+            <a:solidFill>
+              <a:schemeClr val="tx1"/>
+            </a:solidFill>
+            <a:round/>
+            <a:headEnd type="arrow" w="lg" len="lg"/>
+            <a:tailEnd type="none" w="lg" len="lg"/>
+          </a:ln>
+          <a:effectLst/>
+          <a:extLst>
+            <a:ext uri="{909E8E84-426E-40DD-AFC4-6F175D3DCCD1}">
+              <a14:hiddenFill xmlns:a14="http://schemas.microsoft.com/office/drawing/2010/main">
+                <a:noFill/>
+              </a14:hiddenFill>
+            </a:ext>
+            <a:ext uri="{AF507438-7753-43E0-B8FC-AC1667EBCBE1}">
+              <a14:hiddenEffects xmlns:a14="http://schemas.microsoft.com/office/drawing/2010/main">
+                <a:effectLst>
+                  <a:outerShdw dist="35921" dir="2700000" algn="ctr" rotWithShape="0">
+                    <a:schemeClr val="bg2"/>
+                  </a:outerShdw>
+                </a:effectLst>
+              </a14:hiddenEffects>
+            </a:ext>
+          </a:extLst>
+        </p:spPr>
+        <p:txBody>
+          <a:bodyPr/>
+          <a:lstStyle/>
+          <a:p>
+            <a:endParaRPr lang="en-US"/>
+          </a:p>
+        </p:txBody>
+      </p:sp>
+      <p:grpSp>
+        <p:nvGrpSpPr>
+          <p:cNvPr id="17413" name="Group 5"/>
+          <p:cNvGrpSpPr>
+            <a:grpSpLocks/>
+          </p:cNvGrpSpPr>
+          <p:nvPr/>
+        </p:nvGrpSpPr>
+        <p:grpSpPr bwMode="auto">
+          <a:xfrm>
+            <a:off x="3200400" y="4114800"/>
+            <a:ext cx="2057400" cy="457200"/>
+            <a:chOff x="1920" y="3504"/>
+            <a:chExt cx="1296" cy="288"/>
+          </a:xfrm>
+        </p:grpSpPr>
+        <p:sp>
+          <p:nvSpPr>
+            <p:cNvPr id="17414" name="Text Box 6"/>
+            <p:cNvSpPr txBox="1">
+              <a:spLocks noChangeArrowheads="1"/>
+            </p:cNvSpPr>
+            <p:nvPr/>
+          </p:nvSpPr>
+          <p:spPr bwMode="auto">
+            <a:xfrm>
+              <a:off x="2160" y="3504"/>
+              <a:ext cx="864" cy="288"/>
+            </a:xfrm>
+            <a:prstGeom prst="rect">
+              <a:avLst/>
+            </a:prstGeom>
+            <a:noFill/>
+            <a:ln>
+              <a:noFill/>
+            </a:ln>
+            <a:effectLst/>
+            <a:extLst>
+              <a:ext uri="{909E8E84-426E-40DD-AFC4-6F175D3DCCD1}">
+                <a14:hiddenFill xmlns:a14="http://schemas.microsoft.com/office/drawing/2010/main">
+                  <a:solidFill>
+                    <a:schemeClr val="accent1"/>
+                  </a:solidFill>
+                </a14:hiddenFill>
+              </a:ext>
+              <a:ext uri="{91240B29-F687-4F45-9708-019B960494DF}">
+                <a14:hiddenLine xmlns:a14="http://schemas.microsoft.com/office/drawing/2010/main" w="9525">
+                  <a:solidFill>
+                    <a:schemeClr val="tx1"/>
+                  </a:solidFill>
+                  <a:miter lim="800000"/>
+                  <a:headEnd/>
+                  <a:tailEnd type="none" w="lg" len="lg"/>
+                </a14:hiddenLine>
+              </a:ext>
+              <a:ext uri="{AF507438-7753-43E0-B8FC-AC1667EBCBE1}">
+                <a14:hiddenEffects xmlns:a14="http://schemas.microsoft.com/office/drawing/2010/main">
+                  <a:effectLst>
+                    <a:outerShdw dist="35921" dir="2700000" algn="ctr" rotWithShape="0">
+                      <a:schemeClr val="bg2"/>
+                    </a:outerShdw>
+                  </a:effectLst>
+                </a14:hiddenEffects>
+              </a:ext>
+            </a:extLst>
+          </p:spPr>
+          <p:txBody>
+            <a:bodyPr>
+              <a:spAutoFit/>
+            </a:bodyPr>
+            <a:lstStyle/>
+            <a:p>
+              <a:pPr algn="ctr">
+                <a:spcBef>
+                  <a:spcPct val="50000"/>
+                </a:spcBef>
+              </a:pPr>
+              <a:r>
+                <a:rPr lang="en-US" altLang="en-US"/>
+                <a:t>ACCEPT</a:t>
+              </a:r>
+            </a:p>
+          </p:txBody>
+        </p:sp>
+        <p:sp>
+          <p:nvSpPr>
+            <p:cNvPr id="17415" name="AutoShape 7"/>
+            <p:cNvSpPr>
+              <a:spLocks noChangeArrowheads="1"/>
+            </p:cNvSpPr>
+            <p:nvPr/>
+          </p:nvSpPr>
+          <p:spPr bwMode="auto">
+            <a:xfrm>
+              <a:off x="1920" y="3552"/>
+              <a:ext cx="1296" cy="240"/>
+            </a:xfrm>
+            <a:prstGeom prst="flowChartTerminator">
+              <a:avLst/>
+            </a:prstGeom>
+            <a:noFill/>
+            <a:ln w="9525">
+              <a:solidFill>
+                <a:schemeClr val="tx1"/>
+              </a:solidFill>
+              <a:miter lim="800000"/>
+              <a:headEnd/>
+              <a:tailEnd type="none" w="lg" len="lg"/>
+            </a:ln>
+            <a:effectLst/>
+            <a:extLst>
+              <a:ext uri="{909E8E84-426E-40DD-AFC4-6F175D3DCCD1}">
+                <a14:hiddenFill xmlns:a14="http://schemas.microsoft.com/office/drawing/2010/main">
+                  <a:solidFill>
+                    <a:schemeClr val="accent1"/>
+                  </a:solidFill>
+                </a14:hiddenFill>
+              </a:ext>
+              <a:ext uri="{AF507438-7753-43E0-B8FC-AC1667EBCBE1}">
+                <a14:hiddenEffects xmlns:a14="http://schemas.microsoft.com/office/drawing/2010/main">
+                  <a:effectLst>
+                    <a:outerShdw dist="35921" dir="2700000" algn="ctr" rotWithShape="0">
+                      <a:schemeClr val="bg2"/>
+                    </a:outerShdw>
+                  </a:effectLst>
+                </a14:hiddenEffects>
+              </a:ext>
+            </a:extLst>
+          </p:spPr>
+          <p:txBody>
+            <a:bodyPr wrap="none" anchor="ctr"/>
+            <a:lstStyle/>
+            <a:p>
+              <a:endParaRPr lang="en-US"/>
+            </a:p>
+          </p:txBody>
+        </p:sp>
+      </p:grpSp>
+    </p:spTree>
+  </p:cSld>
+  <p:clrMapOvr>
+    <a:masterClrMapping/>
+  </p:clrMapOvr>
+</p:sld>
+</file>
+
+<file path=ppt/slides/slide8.xml><?xml version="1.0" encoding="utf-8"?>
+<p:sld xmlns:a="http://schemas.openxmlformats.org/drawingml/2006/main" xmlns:r="http://schemas.openxmlformats.org/officeDocument/2006/relationships" xmlns:p="http://schemas.openxmlformats.org/presentationml/2006/main">
+  <p:cSld>
+    <p:spTree>
+      <p:nvGrpSpPr>
+        <p:cNvPr id="1" name=""/>
+        <p:cNvGrpSpPr/>
+        <p:nvPr/>
+      </p:nvGrpSpPr>
+      <p:grpSpPr>
+        <a:xfrm>
+          <a:off x="0" y="0"/>
+          <a:ext cx="0" cy="0"/>
+          <a:chOff x="0" y="0"/>
+          <a:chExt cx="0" cy="0"/>
+        </a:xfrm>
+      </p:grpSpPr>
+      <p:sp>
+        <p:nvSpPr>
+          <p:cNvPr id="18434" name="Rectangle 2"/>
+          <p:cNvSpPr>
+            <a:spLocks noGrp="1" noChangeArrowheads="1"/>
+          </p:cNvSpPr>
+          <p:nvPr>
+            <p:ph type="title"/>
+          </p:nvPr>
+        </p:nvSpPr>
+        <p:spPr/>
+        <p:txBody>
+          <a:bodyPr/>
+          <a:lstStyle/>
+          <a:p>
+            <a:r>
+              <a:rPr lang="en-US" altLang="en-US"/>
+              <a:t>A REJECT state</a:t>
+            </a:r>
+          </a:p>
+        </p:txBody>
+      </p:sp>
+      <p:sp>
+        <p:nvSpPr>
+          <p:cNvPr id="18435" name="Rectangle 3"/>
+          <p:cNvSpPr>
+            <a:spLocks noGrp="1" noChangeArrowheads="1"/>
+          </p:cNvSpPr>
+          <p:nvPr>
+            <p:ph type="body" idx="1"/>
+          </p:nvPr>
+        </p:nvSpPr>
+        <p:spPr/>
+        <p:txBody>
+          <a:bodyPr/>
+          <a:lstStyle/>
+          <a:p>
+            <a:pPr>
+              <a:buFontTx/>
+              <a:buNone/>
+            </a:pPr>
+            <a:r>
+              <a:rPr lang="en-US" altLang="en-US" sz="3000"/>
+              <a:t>	</a:t>
+            </a:r>
+            <a:r>
+              <a:rPr lang="en-US" altLang="en-US" sz="3000" u="sng"/>
+              <a:t>REJECT:</a:t>
+            </a:r>
+            <a:r>
+              <a:rPr lang="en-US" altLang="en-US" sz="3000"/>
+              <a:t> This state is like dead-end non final state and is expressed by </a:t>
+            </a:r>
+          </a:p>
+          <a:p>
+            <a:endParaRPr lang="en-US" altLang="en-US" sz="3000"/>
+          </a:p>
+          <a:p>
+            <a:endParaRPr lang="en-US" altLang="en-US" sz="3000"/>
+          </a:p>
+          <a:p>
+            <a:endParaRPr lang="en-US" altLang="en-US" sz="3000"/>
+          </a:p>
+          <a:p>
+            <a:pPr>
+              <a:buFontTx/>
+              <a:buNone/>
+            </a:pPr>
+            <a:r>
+              <a:rPr lang="en-US" altLang="en-US" sz="3000"/>
+              <a:t>	</a:t>
+            </a:r>
+            <a:r>
+              <a:rPr lang="en-US" altLang="en-US" sz="3000" u="sng"/>
+              <a:t>NOTE: </a:t>
+            </a:r>
+            <a:r>
+              <a:rPr lang="en-US" altLang="en-US" sz="3000"/>
+              <a:t>It may be noted that the ACCEPT and REJECT states are called the halt states.</a:t>
+            </a:r>
+            <a:endParaRPr lang="en-US" altLang="en-US" sz="3000" u="sng"/>
+          </a:p>
+          <a:p>
+            <a:endParaRPr lang="en-US" altLang="en-US"/>
+          </a:p>
+        </p:txBody>
+      </p:sp>
+      <p:sp>
+        <p:nvSpPr>
+          <p:cNvPr id="18436" name="Line 4"/>
+          <p:cNvSpPr>
+            <a:spLocks noChangeShapeType="1"/>
+          </p:cNvSpPr>
+          <p:nvPr/>
+        </p:nvSpPr>
+        <p:spPr bwMode="auto">
+          <a:xfrm rot="-10800000">
+            <a:off x="4191000" y="3200400"/>
+            <a:ext cx="0" cy="838200"/>
+          </a:xfrm>
+          <a:prstGeom prst="line">
+            <a:avLst/>
+          </a:prstGeom>
+          <a:noFill/>
+          <a:ln w="9525">
+            <a:solidFill>
+              <a:schemeClr val="tx1"/>
+            </a:solidFill>
+            <a:round/>
+            <a:headEnd type="arrow" w="lg" len="lg"/>
+            <a:tailEnd type="none" w="lg" len="lg"/>
+          </a:ln>
+          <a:effectLst/>
+          <a:extLst>
+            <a:ext uri="{909E8E84-426E-40DD-AFC4-6F175D3DCCD1}">
+              <a14:hiddenFill xmlns:a14="http://schemas.microsoft.com/office/drawing/2010/main">
+                <a:noFill/>
+              </a14:hiddenFill>
+            </a:ext>
+            <a:ext uri="{AF507438-7753-43E0-B8FC-AC1667EBCBE1}">
+              <a14:hiddenEffects xmlns:a14="http://schemas.microsoft.com/office/drawing/2010/main">
+                <a:effectLst>
+                  <a:outerShdw dist="35921" dir="2700000" algn="ctr" rotWithShape="0">
+                    <a:schemeClr val="bg2"/>
+                  </a:outerShdw>
+                </a:effectLst>
+              </a14:hiddenEffects>
+            </a:ext>
+          </a:extLst>
+        </p:spPr>
+        <p:txBody>
+          <a:bodyPr/>
+          <a:lstStyle/>
+          <a:p>
+            <a:endParaRPr lang="en-US"/>
+          </a:p>
+        </p:txBody>
+      </p:sp>
+      <p:grpSp>
+        <p:nvGrpSpPr>
+          <p:cNvPr id="18437" name="Group 5"/>
+          <p:cNvGrpSpPr>
+            <a:grpSpLocks/>
+          </p:cNvGrpSpPr>
+          <p:nvPr/>
+        </p:nvGrpSpPr>
+        <p:grpSpPr bwMode="auto">
+          <a:xfrm>
+            <a:off x="3200400" y="3943350"/>
+            <a:ext cx="2057400" cy="457200"/>
+            <a:chOff x="1920" y="3504"/>
+            <a:chExt cx="1296" cy="288"/>
+          </a:xfrm>
+        </p:grpSpPr>
+        <p:sp>
+          <p:nvSpPr>
+            <p:cNvPr id="18438" name="Text Box 6"/>
+            <p:cNvSpPr txBox="1">
+              <a:spLocks noChangeArrowheads="1"/>
+            </p:cNvSpPr>
+            <p:nvPr/>
+          </p:nvSpPr>
+          <p:spPr bwMode="auto">
+            <a:xfrm>
+              <a:off x="2160" y="3504"/>
+              <a:ext cx="864" cy="288"/>
+            </a:xfrm>
+            <a:prstGeom prst="rect">
+              <a:avLst/>
+            </a:prstGeom>
+            <a:noFill/>
+            <a:ln>
+              <a:noFill/>
+            </a:ln>
+            <a:effectLst/>
+            <a:extLst>
+              <a:ext uri="{909E8E84-426E-40DD-AFC4-6F175D3DCCD1}">
+                <a14:hiddenFill xmlns:a14="http://schemas.microsoft.com/office/drawing/2010/main">
+                  <a:solidFill>
+                    <a:schemeClr val="accent1"/>
+                  </a:solidFill>
+                </a14:hiddenFill>
+              </a:ext>
+              <a:ext uri="{91240B29-F687-4F45-9708-019B960494DF}">
+                <a14:hiddenLine xmlns:a14="http://schemas.microsoft.com/office/drawing/2010/main" w="9525">
+                  <a:solidFill>
+                    <a:schemeClr val="tx1"/>
+                  </a:solidFill>
+                  <a:miter lim="800000"/>
+                  <a:headEnd/>
+                  <a:tailEnd type="none" w="lg" len="lg"/>
+                </a14:hiddenLine>
+              </a:ext>
+              <a:ext uri="{AF507438-7753-43E0-B8FC-AC1667EBCBE1}">
+                <a14:hiddenEffects xmlns:a14="http://schemas.microsoft.com/office/drawing/2010/main">
+                  <a:effectLst>
+                    <a:outerShdw dist="35921" dir="2700000" algn="ctr" rotWithShape="0">
+                      <a:schemeClr val="bg2"/>
+                    </a:outerShdw>
+                  </a:effectLst>
+                </a14:hiddenEffects>
+              </a:ext>
+            </a:extLst>
+          </p:spPr>
+          <p:txBody>
+            <a:bodyPr>
+              <a:spAutoFit/>
+            </a:bodyPr>
+            <a:lstStyle/>
+            <a:p>
+              <a:pPr algn="ctr">
+                <a:spcBef>
+                  <a:spcPct val="50000"/>
+                </a:spcBef>
+              </a:pPr>
+              <a:r>
+                <a:rPr lang="en-US" altLang="en-US"/>
+                <a:t>REJECT</a:t>
+              </a:r>
+            </a:p>
+          </p:txBody>
+        </p:sp>
+        <p:sp>
+          <p:nvSpPr>
+            <p:cNvPr id="18439" name="AutoShape 7"/>
+            <p:cNvSpPr>
+              <a:spLocks noChangeArrowheads="1"/>
+            </p:cNvSpPr>
+            <p:nvPr/>
+          </p:nvSpPr>
+          <p:spPr bwMode="auto">
+            <a:xfrm>
+              <a:off x="1920" y="3552"/>
+              <a:ext cx="1296" cy="240"/>
+            </a:xfrm>
+            <a:prstGeom prst="flowChartTerminator">
+              <a:avLst/>
+            </a:prstGeom>
+            <a:noFill/>
+            <a:ln w="9525">
+              <a:solidFill>
+                <a:schemeClr val="tx1"/>
+              </a:solidFill>
+              <a:miter lim="800000"/>
+              <a:headEnd/>
+              <a:tailEnd type="none" w="lg" len="lg"/>
+            </a:ln>
+            <a:effectLst/>
+            <a:extLst>
+              <a:ext uri="{909E8E84-426E-40DD-AFC4-6F175D3DCCD1}">
+                <a14:hiddenFill xmlns:a14="http://schemas.microsoft.com/office/drawing/2010/main">
+                  <a:solidFill>
+                    <a:schemeClr val="accent1"/>
+                  </a:solidFill>
+                </a14:hiddenFill>
+              </a:ext>
+              <a:ext uri="{AF507438-7753-43E0-B8FC-AC1667EBCBE1}">
+                <a14:hiddenEffects xmlns:a14="http://schemas.microsoft.com/office/drawing/2010/main">
+                  <a:effectLst>
+                    <a:outerShdw dist="35921" dir="2700000" algn="ctr" rotWithShape="0">
+                      <a:schemeClr val="bg2"/>
+                    </a:outerShdw>
+                  </a:effectLst>
+                </a14:hiddenEffects>
+              </a:ext>
+            </a:extLst>
+          </p:spPr>
+          <p:txBody>
+            <a:bodyPr wrap="none" anchor="ctr"/>
+            <a:lstStyle/>
+            <a:p>
+              <a:endParaRPr lang="en-US"/>
+            </a:p>
+          </p:txBody>
+        </p:sp>
+      </p:grpSp>
+    </p:spTree>
+  </p:cSld>
+  <p:clrMapOvr>
+    <a:masterClrMapping/>
+  </p:clrMapOvr>
+</p:sld>
+</file>
+
+<file path=ppt/slides/slide9.xml><?xml version="1.0" encoding="utf-8"?>
+<p:sld xmlns:a="http://schemas.openxmlformats.org/drawingml/2006/main" xmlns:r="http://schemas.openxmlformats.org/officeDocument/2006/relationships" xmlns:p="http://schemas.openxmlformats.org/presentationml/2006/main">
+  <p:cSld>
+    <p:spTree>
+      <p:nvGrpSpPr>
+        <p:cNvPr id="1" name=""/>
+        <p:cNvGrpSpPr/>
+        <p:nvPr/>
+      </p:nvGrpSpPr>
+      <p:grpSpPr>
+        <a:xfrm>
+          <a:off x="0" y="0"/>
+          <a:ext cx="0" cy="0"/>
+          <a:chOff x="0" y="0"/>
+          <a:chExt cx="0" cy="0"/>
+        </a:xfrm>
+      </p:grpSpPr>
+      <p:sp>
+        <p:nvSpPr>
+          <p:cNvPr id="19458" name="Rectangle 2"/>
+          <p:cNvSpPr>
+            <a:spLocks noGrp="1" noChangeArrowheads="1"/>
+          </p:cNvSpPr>
+          <p:nvPr>
+            <p:ph type="title"/>
+          </p:nvPr>
+        </p:nvSpPr>
+        <p:spPr/>
+        <p:txBody>
+          <a:bodyPr/>
+          <a:lstStyle/>
+          <a:p>
+            <a:r>
+              <a:rPr lang="en-US" altLang="en-US"/>
+              <a:t>A READ state</a:t>
+            </a:r>
+          </a:p>
+        </p:txBody>
+      </p:sp>
+      <p:sp>
+        <p:nvSpPr>
+          <p:cNvPr id="19459" name="Rectangle 3"/>
+          <p:cNvSpPr>
+            <a:spLocks noGrp="1" noChangeArrowheads="1"/>
+          </p:cNvSpPr>
+          <p:nvPr>
+            <p:ph type="body" idx="1"/>
+          </p:nvPr>
+        </p:nvSpPr>
+        <p:spPr>
+          <a:xfrm>
+            <a:off x="685800" y="1981200"/>
+            <a:ext cx="7772400" cy="4876800"/>
+          </a:xfrm>
+        </p:spPr>
+        <p:txBody>
+          <a:bodyPr/>
+          <a:lstStyle/>
+          <a:p>
+            <a:pPr>
+              <a:buFontTx/>
+              <a:buNone/>
+            </a:pPr>
+            <a:r>
+              <a:rPr lang="en-US" altLang="en-US" sz="3400"/>
+              <a:t>	</a:t>
+            </a:r>
+            <a:r>
+              <a:rPr lang="en-US" altLang="en-US" sz="3400" u="sng"/>
+              <a:t>READ:</a:t>
+            </a:r>
+            <a:r>
+              <a:rPr lang="en-US" altLang="en-US" sz="3400"/>
+              <a:t> This state is to read an input letter and read to some other state. The READ state is expressed by </a:t>
+            </a:r>
+          </a:p>
+          <a:p>
+            <a:pPr>
+              <a:buFontTx/>
+              <a:buNone/>
+            </a:pPr>
+            <a:endParaRPr lang="en-US" altLang="en-US" sz="3400"/>
+          </a:p>
+          <a:p>
+            <a:endParaRPr lang="en-US" altLang="en-US" sz="3400"/>
+          </a:p>
+          <a:p>
+            <a:endParaRPr lang="en-US" altLang="en-US" sz="3400"/>
+          </a:p>
+          <a:p>
+            <a:pPr>
+              <a:buFontTx/>
+              <a:buNone/>
+            </a:pPr>
+            <a:r>
+              <a:rPr lang="en-US" altLang="en-US" sz="3400"/>
+              <a:t>	</a:t>
+            </a:r>
+          </a:p>
+        </p:txBody>
+      </p:sp>
+      <p:sp>
+        <p:nvSpPr>
+          <p:cNvPr id="19460" name="Line 4"/>
+          <p:cNvSpPr>
+            <a:spLocks noChangeShapeType="1"/>
+          </p:cNvSpPr>
+          <p:nvPr/>
+        </p:nvSpPr>
+        <p:spPr bwMode="auto">
+          <a:xfrm rot="10800000" flipH="1">
+            <a:off x="4468813" y="3657600"/>
+            <a:ext cx="0" cy="533400"/>
+          </a:xfrm>
+          <a:prstGeom prst="line">
+            <a:avLst/>
+          </a:prstGeom>
+          <a:noFill/>
+          <a:ln w="9525">
+            <a:solidFill>
+              <a:schemeClr val="tx1"/>
+            </a:solidFill>
+            <a:round/>
+            <a:headEnd type="none" w="lg" len="lg"/>
+            <a:tailEnd type="arrow" w="med" len="med"/>
+          </a:ln>
+          <a:effectLst/>
+          <a:extLst>
+            <a:ext uri="{909E8E84-426E-40DD-AFC4-6F175D3DCCD1}">
+              <a14:hiddenFill xmlns:a14="http://schemas.microsoft.com/office/drawing/2010/main">
+                <a:noFill/>
+              </a14:hiddenFill>
+            </a:ext>
+            <a:ext uri="{AF507438-7753-43E0-B8FC-AC1667EBCBE1}">
+              <a14:hiddenEffects xmlns:a14="http://schemas.microsoft.com/office/drawing/2010/main">
+                <a:effectLst>
+                  <a:outerShdw dist="35921" dir="2700000" algn="ctr" rotWithShape="0">
+                    <a:schemeClr val="bg2"/>
+                  </a:outerShdw>
+                </a:effectLst>
+              </a14:hiddenEffects>
+            </a:ext>
+          </a:extLst>
+        </p:spPr>
+        <p:txBody>
+          <a:bodyPr/>
+          <a:lstStyle/>
+          <a:p>
+            <a:endParaRPr lang="en-US"/>
+          </a:p>
+        </p:txBody>
+      </p:sp>
+      <p:sp>
+        <p:nvSpPr>
+          <p:cNvPr id="19461" name="Rectangle 5"/>
+          <p:cNvSpPr>
+            <a:spLocks noChangeArrowheads="1"/>
+          </p:cNvSpPr>
+          <p:nvPr/>
+        </p:nvSpPr>
+        <p:spPr bwMode="auto">
+          <a:xfrm>
+            <a:off x="4068763" y="4495800"/>
+            <a:ext cx="1012825" cy="457200"/>
+          </a:xfrm>
+          <a:prstGeom prst="rect">
+            <a:avLst/>
+          </a:prstGeom>
+          <a:noFill/>
+          <a:ln>
+            <a:noFill/>
+          </a:ln>
+          <a:effectLst/>
+          <a:extLst>
+            <a:ext uri="{909E8E84-426E-40DD-AFC4-6F175D3DCCD1}">
+              <a14:hiddenFill xmlns:a14="http://schemas.microsoft.com/office/drawing/2010/main">
+                <a:solidFill>
+                  <a:schemeClr val="accent1"/>
+                </a:solidFill>
+              </a14:hiddenFill>
+            </a:ext>
+            <a:ext uri="{91240B29-F687-4F45-9708-019B960494DF}">
+              <a14:hiddenLine xmlns:a14="http://schemas.microsoft.com/office/drawing/2010/main" w="9525">
+                <a:solidFill>
+                  <a:schemeClr val="tx1"/>
+                </a:solidFill>
+                <a:miter lim="800000"/>
+                <a:headEnd/>
+                <a:tailEnd type="none" w="lg" len="lg"/>
+              </a14:hiddenLine>
+            </a:ext>
+            <a:ext uri="{AF507438-7753-43E0-B8FC-AC1667EBCBE1}">
+              <a14:hiddenEffects xmlns:a14="http://schemas.microsoft.com/office/drawing/2010/main">
+                <a:effectLst>
+                  <a:outerShdw dist="35921" dir="2700000" algn="ctr" rotWithShape="0">
+                    <a:schemeClr val="bg2"/>
+                  </a:outerShdw>
+                </a:effectLst>
+              </a14:hiddenEffects>
+            </a:ext>
+          </a:extLst>
+        </p:spPr>
+        <p:txBody>
+          <a:bodyPr wrap="none">
+            <a:spAutoFit/>
+          </a:bodyPr>
+          <a:lstStyle/>
+          <a:p>
+            <a:pPr algn="ctr">
+              <a:spcBef>
+                <a:spcPct val="20000"/>
+              </a:spcBef>
+            </a:pPr>
+            <a:r>
+              <a:rPr lang="en-US" altLang="en-US"/>
+              <a:t>READ</a:t>
+            </a:r>
+          </a:p>
+        </p:txBody>
+      </p:sp>
+      <p:sp>
+        <p:nvSpPr>
+          <p:cNvPr id="19462" name="AutoShape 6"/>
+          <p:cNvSpPr>
+            <a:spLocks noChangeArrowheads="1"/>
+          </p:cNvSpPr>
+          <p:nvPr/>
+        </p:nvSpPr>
+        <p:spPr bwMode="auto">
+          <a:xfrm>
+            <a:off x="3657600" y="4191000"/>
+            <a:ext cx="1600200" cy="1066800"/>
+          </a:xfrm>
+          <a:prstGeom prst="flowChartDecision">
+            <a:avLst/>
+          </a:prstGeom>
+          <a:noFill/>
+          <a:ln w="9525">
+            <a:solidFill>
+              <a:schemeClr val="tx1"/>
+            </a:solidFill>
+            <a:miter lim="800000"/>
+            <a:headEnd/>
+            <a:tailEnd type="none" w="lg" len="lg"/>
+          </a:ln>
+          <a:effectLst/>
+          <a:extLst>
+            <a:ext uri="{909E8E84-426E-40DD-AFC4-6F175D3DCCD1}">
+              <a14:hiddenFill xmlns:a14="http://schemas.microsoft.com/office/drawing/2010/main">
+                <a:solidFill>
+                  <a:schemeClr val="accent1"/>
+                </a:solidFill>
+              </a14:hiddenFill>
+            </a:ext>
+            <a:ext uri="{AF507438-7753-43E0-B8FC-AC1667EBCBE1}">
+              <a14:hiddenEffects xmlns:a14="http://schemas.microsoft.com/office/drawing/2010/main">
+                <a:effectLst>
+                  <a:outerShdw dist="35921" dir="2700000" algn="ctr" rotWithShape="0">
+                    <a:schemeClr val="bg2"/>
+                  </a:outerShdw>
+                </a:effectLst>
+              </a14:hiddenEffects>
+            </a:ext>
+          </a:extLst>
+        </p:spPr>
+        <p:txBody>
+          <a:bodyPr wrap="none" anchor="ctr"/>
+          <a:lstStyle/>
+          <a:p>
+            <a:endParaRPr lang="en-US"/>
+          </a:p>
+        </p:txBody>
+      </p:sp>
+      <p:sp>
+        <p:nvSpPr>
+          <p:cNvPr id="19463" name="Line 7"/>
+          <p:cNvSpPr>
+            <a:spLocks noChangeShapeType="1"/>
+          </p:cNvSpPr>
+          <p:nvPr/>
+        </p:nvSpPr>
+        <p:spPr bwMode="auto">
+          <a:xfrm rot="16200000">
+            <a:off x="3343275" y="4429125"/>
+            <a:ext cx="0" cy="590550"/>
+          </a:xfrm>
+          <a:prstGeom prst="line">
+            <a:avLst/>
+          </a:prstGeom>
+          <a:noFill/>
+          <a:ln w="9525">
+            <a:solidFill>
+              <a:schemeClr val="tx1"/>
+            </a:solidFill>
+            <a:round/>
+            <a:headEnd/>
+            <a:tailEnd type="arrow" w="med" len="med"/>
+          </a:ln>
+          <a:effectLst/>
+          <a:extLst>
+            <a:ext uri="{909E8E84-426E-40DD-AFC4-6F175D3DCCD1}">
+              <a14:hiddenFill xmlns:a14="http://schemas.microsoft.com/office/drawing/2010/main">
+                <a:noFill/>
+              </a14:hiddenFill>
+            </a:ext>
+            <a:ext uri="{AF507438-7753-43E0-B8FC-AC1667EBCBE1}">
+              <a14:hiddenEffects xmlns:a14="http://schemas.microsoft.com/office/drawing/2010/main">
+                <a:effectLst>
+                  <a:outerShdw dist="35921" dir="2700000" algn="ctr" rotWithShape="0">
+                    <a:schemeClr val="bg2"/>
+                  </a:outerShdw>
+                </a:effectLst>
+              </a14:hiddenEffects>
+            </a:ext>
+          </a:extLst>
+        </p:spPr>
+        <p:txBody>
+          <a:bodyPr/>
+          <a:lstStyle/>
+          <a:p>
+            <a:endParaRPr lang="en-US"/>
+          </a:p>
+        </p:txBody>
+      </p:sp>
+      <p:sp>
+        <p:nvSpPr>
+          <p:cNvPr id="19464" name="Line 8"/>
+          <p:cNvSpPr>
+            <a:spLocks noChangeShapeType="1"/>
+          </p:cNvSpPr>
+          <p:nvPr/>
+        </p:nvSpPr>
+        <p:spPr bwMode="auto">
+          <a:xfrm rot="7800000">
+            <a:off x="5499894" y="4534694"/>
+            <a:ext cx="103188" cy="723900"/>
+          </a:xfrm>
+          <a:prstGeom prst="line">
+            <a:avLst/>
+          </a:prstGeom>
+          <a:noFill/>
+          <a:ln w="9525">
+            <a:solidFill>
+              <a:schemeClr val="tx1"/>
+            </a:solidFill>
+            <a:round/>
+            <a:headEnd type="arrow" w="med" len="med"/>
+            <a:tailEnd/>
+          </a:ln>
+          <a:effectLst/>
+          <a:extLst>
+            <a:ext uri="{909E8E84-426E-40DD-AFC4-6F175D3DCCD1}">
+              <a14:hiddenFill xmlns:a14="http://schemas.microsoft.com/office/drawing/2010/main">
+                <a:noFill/>
+              </a14:hiddenFill>
+            </a:ext>
+            <a:ext uri="{AF507438-7753-43E0-B8FC-AC1667EBCBE1}">
+              <a14:hiddenEffects xmlns:a14="http://schemas.microsoft.com/office/drawing/2010/main">
+                <a:effectLst>
+                  <a:outerShdw dist="35921" dir="2700000" algn="ctr" rotWithShape="0">
+                    <a:schemeClr val="bg2"/>
+                  </a:outerShdw>
+                </a:effectLst>
+              </a14:hiddenEffects>
+            </a:ext>
+          </a:extLst>
+        </p:spPr>
+        <p:txBody>
+          <a:bodyPr/>
+          <a:lstStyle/>
+          <a:p>
+            <a:endParaRPr lang="en-US"/>
+          </a:p>
+        </p:txBody>
+      </p:sp>
+      <p:sp>
+        <p:nvSpPr>
+          <p:cNvPr id="19465" name="Line 9"/>
+          <p:cNvSpPr>
+            <a:spLocks noChangeShapeType="1"/>
+          </p:cNvSpPr>
+          <p:nvPr/>
+        </p:nvSpPr>
+        <p:spPr bwMode="auto">
+          <a:xfrm rot="3600000">
+            <a:off x="5453856" y="4147344"/>
+            <a:ext cx="103188" cy="723900"/>
+          </a:xfrm>
+          <a:prstGeom prst="line">
+            <a:avLst/>
+          </a:prstGeom>
+          <a:noFill/>
+          <a:ln w="9525">
+            <a:solidFill>
+              <a:schemeClr val="tx1"/>
+            </a:solidFill>
+            <a:round/>
+            <a:headEnd type="arrow" w="med" len="med"/>
+            <a:tailEnd/>
+          </a:ln>
+          <a:effectLst/>
+          <a:extLst>
+            <a:ext uri="{909E8E84-426E-40DD-AFC4-6F175D3DCCD1}">
+              <a14:hiddenFill xmlns:a14="http://schemas.microsoft.com/office/drawing/2010/main">
+                <a:noFill/>
+              </a14:hiddenFill>
+            </a:ext>
+            <a:ext uri="{AF507438-7753-43E0-B8FC-AC1667EBCBE1}">
+              <a14:hiddenEffects xmlns:a14="http://schemas.microsoft.com/office/drawing/2010/main">
+                <a:effectLst>
+                  <a:outerShdw dist="35921" dir="2700000" algn="ctr" rotWithShape="0">
+                    <a:schemeClr val="bg2"/>
+                  </a:outerShdw>
+                </a:effectLst>
+              </a14:hiddenEffects>
+            </a:ext>
+          </a:extLst>
+        </p:spPr>
+        <p:txBody>
+          <a:bodyPr/>
+          <a:lstStyle/>
+          <a:p>
+            <a:endParaRPr lang="en-US"/>
+          </a:p>
+        </p:txBody>
+      </p:sp>
+      <p:sp>
+        <p:nvSpPr>
+          <p:cNvPr id="19466" name="Text Box 10"/>
+          <p:cNvSpPr txBox="1">
+            <a:spLocks noChangeArrowheads="1"/>
+          </p:cNvSpPr>
+          <p:nvPr/>
+        </p:nvSpPr>
+        <p:spPr bwMode="auto">
+          <a:xfrm>
+            <a:off x="3962400" y="3714750"/>
+            <a:ext cx="685800" cy="457200"/>
+          </a:xfrm>
+          <a:prstGeom prst="rect">
+            <a:avLst/>
+          </a:prstGeom>
+          <a:noFill/>
+          <a:ln>
+            <a:noFill/>
+          </a:ln>
+          <a:effectLst/>
+          <a:extLst>
+            <a:ext uri="{909E8E84-426E-40DD-AFC4-6F175D3DCCD1}">
+              <a14:hiddenFill xmlns:a14="http://schemas.microsoft.com/office/drawing/2010/main">
+                <a:solidFill>
+                  <a:schemeClr val="accent1"/>
+                </a:solidFill>
+              </a14:hiddenFill>
+            </a:ext>
+            <a:ext uri="{91240B29-F687-4F45-9708-019B960494DF}">
+              <a14:hiddenLine xmlns:a14="http://schemas.microsoft.com/office/drawing/2010/main" w="9525">
+                <a:solidFill>
+                  <a:schemeClr val="tx1"/>
+                </a:solidFill>
+                <a:miter lim="800000"/>
+                <a:headEnd/>
+                <a:tailEnd/>
+              </a14:hiddenLine>
+            </a:ext>
+            <a:ext uri="{AF507438-7753-43E0-B8FC-AC1667EBCBE1}">
+              <a14:hiddenEffects xmlns:a14="http://schemas.microsoft.com/office/drawing/2010/main">
+                <a:effectLst>
+                  <a:outerShdw dist="35921" dir="2700000" algn="ctr" rotWithShape="0">
+                    <a:schemeClr val="bg2"/>
+                  </a:outerShdw>
+                </a:effectLst>
+              </a14:hiddenEffects>
+            </a:ext>
+          </a:extLst>
+        </p:spPr>
+        <p:txBody>
+          <a:bodyPr>
+            <a:spAutoFit/>
+          </a:bodyPr>
+          <a:lstStyle/>
+          <a:p>
+            <a:pPr algn="ctr" eaLnBrk="0" hangingPunct="0">
+              <a:spcBef>
+                <a:spcPct val="50000"/>
+              </a:spcBef>
+            </a:pPr>
+            <a:r>
+              <a:rPr lang="en-US" altLang="en-US"/>
+              <a:t>a</a:t>
+            </a:r>
+          </a:p>
+        </p:txBody>
+      </p:sp>
+      <p:sp>
+        <p:nvSpPr>
+          <p:cNvPr id="19467" name="Text Box 11"/>
+          <p:cNvSpPr txBox="1">
+            <a:spLocks noChangeArrowheads="1"/>
+          </p:cNvSpPr>
+          <p:nvPr/>
+        </p:nvSpPr>
+        <p:spPr bwMode="auto">
+          <a:xfrm>
+            <a:off x="5059363" y="4191000"/>
+            <a:ext cx="685800" cy="457200"/>
+          </a:xfrm>
+          <a:prstGeom prst="rect">
+            <a:avLst/>
+          </a:prstGeom>
+          <a:noFill/>
+          <a:ln>
+            <a:noFill/>
+          </a:ln>
+          <a:effectLst/>
+          <a:extLst>
+            <a:ext uri="{909E8E84-426E-40DD-AFC4-6F175D3DCCD1}">
+              <a14:hiddenFill xmlns:a14="http://schemas.microsoft.com/office/drawing/2010/main">
+                <a:solidFill>
+                  <a:schemeClr val="accent1"/>
+                </a:solidFill>
+              </a14:hiddenFill>
+            </a:ext>
+            <a:ext uri="{91240B29-F687-4F45-9708-019B960494DF}">
+              <a14:hiddenLine xmlns:a14="http://schemas.microsoft.com/office/drawing/2010/main" w="9525">
+                <a:solidFill>
+                  <a:schemeClr val="tx1"/>
+                </a:solidFill>
+                <a:miter lim="800000"/>
+                <a:headEnd/>
+                <a:tailEnd/>
+              </a14:hiddenLine>
+            </a:ext>
+            <a:ext uri="{AF507438-7753-43E0-B8FC-AC1667EBCBE1}">
+              <a14:hiddenEffects xmlns:a14="http://schemas.microsoft.com/office/drawing/2010/main">
+                <a:effectLst>
+                  <a:outerShdw dist="35921" dir="2700000" algn="ctr" rotWithShape="0">
+                    <a:schemeClr val="bg2"/>
+                  </a:outerShdw>
+                </a:effectLst>
+              </a14:hiddenEffects>
+            </a:ext>
+          </a:extLst>
+        </p:spPr>
+        <p:txBody>
+          <a:bodyPr>
+            <a:spAutoFit/>
+          </a:bodyPr>
+          <a:lstStyle/>
+          <a:p>
+            <a:pPr algn="ctr" eaLnBrk="0" hangingPunct="0">
+              <a:spcBef>
+                <a:spcPct val="50000"/>
+              </a:spcBef>
+            </a:pPr>
+            <a:r>
+              <a:rPr lang="en-US" altLang="en-US"/>
+              <a:t>b</a:t>
+            </a:r>
+          </a:p>
+        </p:txBody>
+      </p:sp>
+      <p:sp>
+        <p:nvSpPr>
+          <p:cNvPr id="19468" name="Rectangle 12"/>
+          <p:cNvSpPr>
+            <a:spLocks noChangeArrowheads="1"/>
+          </p:cNvSpPr>
+          <p:nvPr/>
+        </p:nvSpPr>
+        <p:spPr bwMode="auto">
+          <a:xfrm>
+            <a:off x="5410200" y="4876800"/>
+            <a:ext cx="9144000" cy="366713"/>
+          </a:xfrm>
+          <a:prstGeom prst="rect">
+            <a:avLst/>
+          </a:prstGeom>
+          <a:noFill/>
+          <a:ln>
+            <a:noFill/>
+          </a:ln>
+          <a:effectLst/>
+          <a:extLst>
+            <a:ext uri="{909E8E84-426E-40DD-AFC4-6F175D3DCCD1}">
+              <a14:hiddenFill xmlns:a14="http://schemas.microsoft.com/office/drawing/2010/main">
+                <a:solidFill>
+                  <a:schemeClr val="accent1"/>
+                </a:solidFill>
+              </a14:hiddenFill>
+            </a:ext>
+            <a:ext uri="{91240B29-F687-4F45-9708-019B960494DF}">
+              <a14:hiddenLine xmlns:a14="http://schemas.microsoft.com/office/drawing/2010/main" w="9525">
+                <a:solidFill>
+                  <a:schemeClr val="tx1"/>
+                </a:solidFill>
+                <a:miter lim="800000"/>
+                <a:headEnd/>
+                <a:tailEnd type="none" w="lg" len="lg"/>
+              </a14:hiddenLine>
+            </a:ext>
+            <a:ext uri="{AF507438-7753-43E0-B8FC-AC1667EBCBE1}">
+              <a14:hiddenEffects xmlns:a14="http://schemas.microsoft.com/office/drawing/2010/main">
+                <a:effectLst>
+                  <a:outerShdw dist="35921" dir="2700000" algn="ctr" rotWithShape="0">
+                    <a:schemeClr val="bg2"/>
+                  </a:outerShdw>
+                </a:effectLst>
+              </a14:hiddenEffects>
+            </a:ext>
+          </a:extLst>
+        </p:spPr>
+        <p:txBody>
+          <a:bodyPr>
+            <a:spAutoFit/>
+          </a:bodyPr>
+          <a:lstStyle/>
+          <a:p>
+            <a:r>
+              <a:rPr lang="en-US" altLang="en-US" sz="1800">
+                <a:latin typeface="Arial" panose="020B0604020202020204" pitchFamily="34" charset="0"/>
+                <a:cs typeface="Arial" panose="020B0604020202020204" pitchFamily="34" charset="0"/>
+              </a:rPr>
+              <a:t>∆</a:t>
+            </a:r>
+            <a:r>
+              <a:rPr lang="en-US" altLang="en-US" sz="1400"/>
+              <a:t> </a:t>
+            </a:r>
+            <a:endParaRPr lang="en-US" altLang="en-US"/>
+          </a:p>
+        </p:txBody>
+      </p:sp>
     </p:spTree>
   </p:cSld>
   <p:clrMapOvr>

--- a/Lesson 37.pptx
+++ b/Lesson 37.pptx
@@ -3395,6 +3395,13 @@
   <p:clrMapOvr>
     <a:masterClrMapping/>
   </p:clrMapOvr>
+  <p:timing>
+    <p:tnLst>
+      <p:par>
+        <p:cTn id="1" dur="indefinite" restart="never" nodeType="tmRoot"/>
+      </p:par>
+    </p:tnLst>
+  </p:timing>
 </p:sld>
 </file>
 
@@ -4800,6 +4807,13 @@
   <p:clrMapOvr>
     <a:masterClrMapping/>
   </p:clrMapOvr>
+  <p:timing>
+    <p:tnLst>
+      <p:par>
+        <p:cTn id="1" dur="indefinite" restart="never" nodeType="tmRoot"/>
+      </p:par>
+    </p:tnLst>
+  </p:timing>
 </p:sld>
 </file>
 
@@ -6605,6 +6619,13 @@
   <p:clrMapOvr>
     <a:masterClrMapping/>
   </p:clrMapOvr>
+  <p:timing>
+    <p:tnLst>
+      <p:par>
+        <p:cTn id="1" dur="indefinite" restart="never" nodeType="tmRoot"/>
+      </p:par>
+    </p:tnLst>
+  </p:timing>
 </p:sld>
 </file>
 
@@ -6647,85 +6668,147 @@
           </a:p>
         </p:txBody>
       </p:sp>
-      <p:sp>
-        <p:nvSpPr>
-          <p:cNvPr id="23555" name="Rectangle 3"/>
-          <p:cNvSpPr>
-            <a:spLocks noGrp="1" noChangeArrowheads="1"/>
-          </p:cNvSpPr>
-          <p:nvPr>
-            <p:ph type="body" idx="1"/>
-          </p:nvPr>
-        </p:nvSpPr>
-        <p:spPr/>
-        <p:txBody>
-          <a:bodyPr/>
-          <a:lstStyle/>
-          <a:p>
-            <a:pPr>
-              <a:buFontTx/>
-              <a:buNone/>
-            </a:pPr>
-            <a:r>
-              <a:rPr lang="en-US" altLang="en-US" sz="3000"/>
-              <a:t>	The </a:t>
-            </a:r>
-            <a:r>
-              <a:rPr lang="en-US" altLang="en-US" sz="3000">
-                <a:latin typeface="Arial" panose="020B0604020202020204" pitchFamily="34" charset="0"/>
-                <a:cs typeface="Arial" panose="020B0604020202020204" pitchFamily="34" charset="0"/>
-              </a:rPr>
-              <a:t>∆</a:t>
-            </a:r>
-            <a:r>
-              <a:rPr lang="en-US" altLang="en-US" sz="3000"/>
-              <a:t> edge should not be confused with </a:t>
-            </a:r>
-            <a:r>
-              <a:rPr lang="en-US" altLang="en-US" sz="3400" b="1">
-                <a:sym typeface="Math1" pitchFamily="2" charset="2"/>
-              </a:rPr>
-              <a:t>-</a:t>
-            </a:r>
-            <a:r>
-              <a:rPr lang="en-US" altLang="en-US" sz="3000">
-                <a:sym typeface="Math1" pitchFamily="2" charset="2"/>
-              </a:rPr>
-              <a:t>labeled edge. The </a:t>
-            </a:r>
-            <a:r>
-              <a:rPr lang="en-US" altLang="en-US" sz="3000">
-                <a:latin typeface="Arial" panose="020B0604020202020204" pitchFamily="34" charset="0"/>
-                <a:cs typeface="Arial" panose="020B0604020202020204" pitchFamily="34" charset="0"/>
-              </a:rPr>
-              <a:t>∆-</a:t>
-            </a:r>
-            <a:r>
-              <a:rPr lang="en-US" altLang="en-US" sz="3000">
-                <a:cs typeface="Arial" panose="020B0604020202020204" pitchFamily="34" charset="0"/>
-              </a:rPr>
-              <a:t>edges start only from READ boxes and lead to halt states.</a:t>
-            </a:r>
-          </a:p>
-          <a:p>
-            <a:pPr>
-              <a:buFontTx/>
-              <a:buNone/>
-            </a:pPr>
-            <a:r>
-              <a:rPr lang="en-US" altLang="en-US" sz="3000">
-                <a:cs typeface="Arial" panose="020B0604020202020204" pitchFamily="34" charset="0"/>
-              </a:rPr>
-              <a:t>	Following is another example</a:t>
-            </a:r>
-          </a:p>
-        </p:txBody>
-      </p:sp>
+      <mc:AlternateContent xmlns:mc="http://schemas.openxmlformats.org/markup-compatibility/2006">
+        <mc:Choice xmlns:a14="http://schemas.microsoft.com/office/drawing/2010/main" Requires="a14">
+          <p:sp>
+            <p:nvSpPr>
+              <p:cNvPr id="23555" name="Rectangle 3"/>
+              <p:cNvSpPr>
+                <a:spLocks noGrp="1" noChangeArrowheads="1"/>
+              </p:cNvSpPr>
+              <p:nvPr>
+                <p:ph type="body" idx="1"/>
+              </p:nvPr>
+            </p:nvSpPr>
+            <p:spPr/>
+            <p:txBody>
+              <a:bodyPr/>
+              <a:lstStyle/>
+              <a:p>
+                <a:pPr>
+                  <a:buFontTx/>
+                  <a:buNone/>
+                </a:pPr>
+                <a:r>
+                  <a:rPr lang="en-US" altLang="en-US" sz="3000" dirty="0" smtClean="0"/>
+                  <a:t>	The </a:t>
+                </a:r>
+                <a:r>
+                  <a:rPr lang="en-US" altLang="en-US" sz="3000" dirty="0">
+                    <a:latin typeface="Arial" panose="020B0604020202020204" pitchFamily="34" charset="0"/>
+                    <a:cs typeface="Arial" panose="020B0604020202020204" pitchFamily="34" charset="0"/>
+                  </a:rPr>
+                  <a:t>∆</a:t>
+                </a:r>
+                <a:r>
+                  <a:rPr lang="en-US" altLang="en-US" sz="3000" dirty="0"/>
+                  <a:t> edge should not be confused with </a:t>
+                </a:r>
+                <a14:m>
+                  <m:oMath xmlns:m="http://schemas.openxmlformats.org/officeDocument/2006/math">
+                    <m:r>
+                      <a:rPr lang="en-US" altLang="en-US" sz="3400" b="1" i="0" dirty="0" smtClean="0">
+                        <a:latin typeface="Cambria Math" panose="02040503050406030204" pitchFamily="18" charset="0"/>
+                        <a:sym typeface="Math1" pitchFamily="2" charset="2"/>
+                      </a:rPr>
+                      <m:t>𝚲</m:t>
+                    </m:r>
+                    <m:r>
+                      <a:rPr lang="en-US" altLang="en-US" sz="3400" b="1" i="0" dirty="0" smtClean="0">
+                        <a:latin typeface="Cambria Math" panose="02040503050406030204" pitchFamily="18" charset="0"/>
+                        <a:sym typeface="Math1" pitchFamily="2" charset="2"/>
+                      </a:rPr>
+                      <m:t> </m:t>
+                    </m:r>
+                  </m:oMath>
+                </a14:m>
+                <a:r>
+                  <a:rPr lang="en-US" altLang="en-US" sz="3400" b="1" dirty="0">
+                    <a:sym typeface="Math1" pitchFamily="2" charset="2"/>
+                  </a:rPr>
+                  <a:t>-</a:t>
+                </a:r>
+                <a:r>
+                  <a:rPr lang="en-US" altLang="en-US" sz="3000" dirty="0">
+                    <a:sym typeface="Math1" pitchFamily="2" charset="2"/>
+                  </a:rPr>
+                  <a:t>labeled edge. The </a:t>
+                </a:r>
+                <a:r>
+                  <a:rPr lang="en-US" altLang="en-US" sz="3000" dirty="0">
+                    <a:latin typeface="Arial" panose="020B0604020202020204" pitchFamily="34" charset="0"/>
+                    <a:cs typeface="Arial" panose="020B0604020202020204" pitchFamily="34" charset="0"/>
+                  </a:rPr>
+                  <a:t>∆-</a:t>
+                </a:r>
+                <a:r>
+                  <a:rPr lang="en-US" altLang="en-US" sz="3000" dirty="0">
+                    <a:cs typeface="Arial" panose="020B0604020202020204" pitchFamily="34" charset="0"/>
+                  </a:rPr>
+                  <a:t>edges start only from READ boxes and lead to halt states.</a:t>
+                </a:r>
+              </a:p>
+              <a:p>
+                <a:pPr>
+                  <a:buFontTx/>
+                  <a:buNone/>
+                </a:pPr>
+                <a:r>
+                  <a:rPr lang="en-US" altLang="en-US" sz="3000" dirty="0">
+                    <a:cs typeface="Arial" panose="020B0604020202020204" pitchFamily="34" charset="0"/>
+                  </a:rPr>
+                  <a:t>	Following is another example</a:t>
+                </a:r>
+              </a:p>
+            </p:txBody>
+          </p:sp>
+        </mc:Choice>
+        <mc:Fallback>
+          <p:sp>
+            <p:nvSpPr>
+              <p:cNvPr id="23555" name="Rectangle 3"/>
+              <p:cNvSpPr>
+                <a:spLocks noGrp="1" noRot="1" noChangeAspect="1" noMove="1" noResize="1" noEditPoints="1" noAdjustHandles="1" noChangeArrowheads="1" noChangeShapeType="1" noTextEdit="1"/>
+              </p:cNvSpPr>
+              <p:nvPr>
+                <p:ph type="body" idx="1"/>
+              </p:nvPr>
+            </p:nvSpPr>
+            <p:spPr>
+              <a:blipFill>
+                <a:blip r:embed="rId2"/>
+                <a:stretch>
+                  <a:fillRect t="-2222"/>
+                </a:stretch>
+              </a:blipFill>
+            </p:spPr>
+            <p:txBody>
+              <a:bodyPr/>
+              <a:lstStyle/>
+              <a:p>
+                <a:r>
+                  <a:rPr lang="en-US">
+                    <a:noFill/>
+                  </a:rPr>
+                  <a:t> </a:t>
+                </a:r>
+              </a:p>
+            </p:txBody>
+          </p:sp>
+        </mc:Fallback>
+      </mc:AlternateContent>
     </p:spTree>
   </p:cSld>
   <p:clrMapOvr>
     <a:masterClrMapping/>
   </p:clrMapOvr>
+  <p:timing>
+    <p:tnLst>
+      <p:par>
+        <p:cTn id="1" dur="indefinite" restart="never" nodeType="tmRoot"/>
+      </p:par>
+    </p:tnLst>
+  </p:timing>
 </p:sld>
 </file>
 
@@ -8312,6 +8395,13 @@
   <p:clrMapOvr>
     <a:masterClrMapping/>
   </p:clrMapOvr>
+  <p:timing>
+    <p:tnLst>
+      <p:par>
+        <p:cTn id="1" dur="indefinite" restart="never" nodeType="tmRoot"/>
+      </p:par>
+    </p:tnLst>
+  </p:timing>
 </p:sld>
 </file>
 
@@ -15922,6 +16012,13 @@
   <p:clrMapOvr>
     <a:masterClrMapping/>
   </p:clrMapOvr>
+  <p:timing>
+    <p:tnLst>
+      <p:par>
+        <p:cTn id="1" dur="indefinite" restart="never" nodeType="tmRoot"/>
+      </p:par>
+    </p:tnLst>
+  </p:timing>
 </p:sld>
 </file>
 
@@ -32310,6 +32407,13 @@
   <p:clrMapOvr>
     <a:masterClrMapping/>
   </p:clrMapOvr>
+  <p:timing>
+    <p:tnLst>
+      <p:par>
+        <p:cTn id="1" dur="indefinite" restart="never" nodeType="tmRoot"/>
+      </p:par>
+    </p:tnLst>
+  </p:timing>
 </p:sld>
 </file>
 
@@ -32435,6 +32539,13 @@
   <p:clrMapOvr>
     <a:masterClrMapping/>
   </p:clrMapOvr>
+  <p:timing>
+    <p:tnLst>
+      <p:par>
+        <p:cTn id="1" dur="indefinite" restart="never" nodeType="tmRoot"/>
+      </p:par>
+    </p:tnLst>
+  </p:timing>
 </p:sld>
 </file>
 
@@ -34977,6 +35088,13 @@
   <p:clrMapOvr>
     <a:masterClrMapping/>
   </p:clrMapOvr>
+  <p:timing>
+    <p:tnLst>
+      <p:par>
+        <p:cTn id="1" dur="indefinite" restart="never" nodeType="tmRoot"/>
+      </p:par>
+    </p:tnLst>
+  </p:timing>
 </p:sld>
 </file>
 
@@ -35279,6 +35397,13 @@
   <p:clrMapOvr>
     <a:masterClrMapping/>
   </p:clrMapOvr>
+  <p:timing>
+    <p:tnLst>
+      <p:par>
+        <p:cTn id="1" dur="indefinite" restart="never" nodeType="tmRoot"/>
+      </p:par>
+    </p:tnLst>
+  </p:timing>
 </p:sld>
 </file>
 
@@ -35553,6 +35678,13 @@
   <p:clrMapOvr>
     <a:masterClrMapping/>
   </p:clrMapOvr>
+  <p:timing>
+    <p:tnLst>
+      <p:par>
+        <p:cTn id="1" dur="indefinite" restart="never" nodeType="tmRoot"/>
+      </p:par>
+    </p:tnLst>
+  </p:timing>
 </p:sld>
 </file>
 
@@ -35854,6 +35986,13 @@
   <p:clrMapOvr>
     <a:masterClrMapping/>
   </p:clrMapOvr>
+  <p:timing>
+    <p:tnLst>
+      <p:par>
+        <p:cTn id="1" dur="indefinite" restart="never" nodeType="tmRoot"/>
+      </p:par>
+    </p:tnLst>
+  </p:timing>
 </p:sld>
 </file>
 
@@ -36495,6 +36634,13 @@
   <p:clrMapOvr>
     <a:masterClrMapping/>
   </p:clrMapOvr>
+  <p:timing>
+    <p:tnLst>
+      <p:par>
+        <p:cTn id="1" dur="indefinite" restart="never" nodeType="tmRoot"/>
+      </p:par>
+    </p:tnLst>
+  </p:timing>
 </p:sld>
 </file>
 
